--- a/presentazione applicazione.pptx
+++ b/presentazione applicazione.pptx
@@ -8487,7 +8487,7 @@
           <a:p>
             <a:r>
               <a:rPr lang="it-IT" sz="1600" dirty="0"/>
-              <a:t>-KeyClock: per la sicurezza</a:t>
+              <a:t>-KeyCloak: per la sicurezza</a:t>
             </a:r>
           </a:p>
           <a:p>

--- a/presentazione applicazione.pptx
+++ b/presentazione applicazione.pptx
@@ -2,7 +2,7 @@
 <file path=ppt/presentation.xml><?xml version="1.0" encoding="utf-8"?>
 <p:presentation xmlns:a="http://schemas.openxmlformats.org/drawingml/2006/main" xmlns:r="http://schemas.openxmlformats.org/officeDocument/2006/relationships" xmlns:p="http://schemas.openxmlformats.org/presentationml/2006/main" saveSubsetFonts="1">
   <p:sldMasterIdLst>
-    <p:sldMasterId id="2147483968" r:id="rId1"/>
+    <p:sldMasterId id="2147483985" r:id="rId1"/>
   </p:sldMasterIdLst>
   <p:sldIdLst>
     <p:sldId id="256" r:id="rId2"/>
@@ -450,7 +450,7 @@
     </p:spTree>
     <p:extLst>
       <p:ext uri="{BB962C8B-B14F-4D97-AF65-F5344CB8AC3E}">
-        <p14:creationId xmlns:p14="http://schemas.microsoft.com/office/powerpoint/2010/main" val="3816758676"/>
+        <p14:creationId xmlns:p14="http://schemas.microsoft.com/office/powerpoint/2010/main" val="1073334271"/>
       </p:ext>
     </p:extLst>
   </p:cSld>
@@ -788,7 +788,7 @@
     </p:spTree>
     <p:extLst>
       <p:ext uri="{BB962C8B-B14F-4D97-AF65-F5344CB8AC3E}">
-        <p14:creationId xmlns:p14="http://schemas.microsoft.com/office/powerpoint/2010/main" val="3962766398"/>
+        <p14:creationId xmlns:p14="http://schemas.microsoft.com/office/powerpoint/2010/main" val="19166661"/>
       </p:ext>
     </p:extLst>
   </p:cSld>
@@ -1265,7 +1265,7 @@
     </p:spTree>
     <p:extLst>
       <p:ext uri="{BB962C8B-B14F-4D97-AF65-F5344CB8AC3E}">
-        <p14:creationId xmlns:p14="http://schemas.microsoft.com/office/powerpoint/2010/main" val="1884212424"/>
+        <p14:creationId xmlns:p14="http://schemas.microsoft.com/office/powerpoint/2010/main" val="3883718849"/>
       </p:ext>
     </p:extLst>
   </p:cSld>
@@ -1525,7 +1525,7 @@
     </p:spTree>
     <p:extLst>
       <p:ext uri="{BB962C8B-B14F-4D97-AF65-F5344CB8AC3E}">
-        <p14:creationId xmlns:p14="http://schemas.microsoft.com/office/powerpoint/2010/main" val="1066274134"/>
+        <p14:creationId xmlns:p14="http://schemas.microsoft.com/office/powerpoint/2010/main" val="3624800695"/>
       </p:ext>
     </p:extLst>
   </p:cSld>
@@ -1921,7 +1921,7 @@
     </p:spTree>
     <p:extLst>
       <p:ext uri="{BB962C8B-B14F-4D97-AF65-F5344CB8AC3E}">
-        <p14:creationId xmlns:p14="http://schemas.microsoft.com/office/powerpoint/2010/main" val="2108041627"/>
+        <p14:creationId xmlns:p14="http://schemas.microsoft.com/office/powerpoint/2010/main" val="377601996"/>
       </p:ext>
     </p:extLst>
   </p:cSld>
@@ -2241,7 +2241,7 @@
     </p:spTree>
     <p:extLst>
       <p:ext uri="{BB962C8B-B14F-4D97-AF65-F5344CB8AC3E}">
-        <p14:creationId xmlns:p14="http://schemas.microsoft.com/office/powerpoint/2010/main" val="4238792278"/>
+        <p14:creationId xmlns:p14="http://schemas.microsoft.com/office/powerpoint/2010/main" val="883133604"/>
       </p:ext>
     </p:extLst>
   </p:cSld>
@@ -2493,7 +2493,7 @@
     </p:spTree>
     <p:extLst>
       <p:ext uri="{BB962C8B-B14F-4D97-AF65-F5344CB8AC3E}">
-        <p14:creationId xmlns:p14="http://schemas.microsoft.com/office/powerpoint/2010/main" val="1098267054"/>
+        <p14:creationId xmlns:p14="http://schemas.microsoft.com/office/powerpoint/2010/main" val="4043411373"/>
       </p:ext>
     </p:extLst>
   </p:cSld>
@@ -2755,7 +2755,7 @@
     </p:spTree>
     <p:extLst>
       <p:ext uri="{BB962C8B-B14F-4D97-AF65-F5344CB8AC3E}">
-        <p14:creationId xmlns:p14="http://schemas.microsoft.com/office/powerpoint/2010/main" val="4235335470"/>
+        <p14:creationId xmlns:p14="http://schemas.microsoft.com/office/powerpoint/2010/main" val="4001100324"/>
       </p:ext>
     </p:extLst>
   </p:cSld>
@@ -3017,7 +3017,7 @@
     </p:spTree>
     <p:extLst>
       <p:ext uri="{BB962C8B-B14F-4D97-AF65-F5344CB8AC3E}">
-        <p14:creationId xmlns:p14="http://schemas.microsoft.com/office/powerpoint/2010/main" val="510539246"/>
+        <p14:creationId xmlns:p14="http://schemas.microsoft.com/office/powerpoint/2010/main" val="1178662645"/>
       </p:ext>
     </p:extLst>
   </p:cSld>
@@ -3351,7 +3351,7 @@
     </p:spTree>
     <p:extLst>
       <p:ext uri="{BB962C8B-B14F-4D97-AF65-F5344CB8AC3E}">
-        <p14:creationId xmlns:p14="http://schemas.microsoft.com/office/powerpoint/2010/main" val="2599729723"/>
+        <p14:creationId xmlns:p14="http://schemas.microsoft.com/office/powerpoint/2010/main" val="3110717805"/>
       </p:ext>
     </p:extLst>
   </p:cSld>
@@ -3563,7 +3563,7 @@
       </p:sp>
       <p:sp>
         <p:nvSpPr>
-          <p:cNvPr id="10" name="Freeform 11"/>
+          <p:cNvPr id="12" name="Freeform 11"/>
           <p:cNvSpPr/>
           <p:nvPr/>
         </p:nvSpPr>
@@ -3645,7 +3645,7 @@
       </p:sp>
       <p:sp>
         <p:nvSpPr>
-          <p:cNvPr id="11" name="Slide Number Placeholder 5"/>
+          <p:cNvPr id="13" name="Slide Number Placeholder 5"/>
           <p:cNvSpPr>
             <a:spLocks noGrp="1"/>
           </p:cNvSpPr>
@@ -3674,7 +3674,7 @@
     </p:spTree>
     <p:extLst>
       <p:ext uri="{BB962C8B-B14F-4D97-AF65-F5344CB8AC3E}">
-        <p14:creationId xmlns:p14="http://schemas.microsoft.com/office/powerpoint/2010/main" val="904579404"/>
+        <p14:creationId xmlns:p14="http://schemas.microsoft.com/office/powerpoint/2010/main" val="713547594"/>
       </p:ext>
     </p:extLst>
   </p:cSld>
@@ -4131,7 +4131,7 @@
     </p:spTree>
     <p:extLst>
       <p:ext uri="{BB962C8B-B14F-4D97-AF65-F5344CB8AC3E}">
-        <p14:creationId xmlns:p14="http://schemas.microsoft.com/office/powerpoint/2010/main" val="1507508571"/>
+        <p14:creationId xmlns:p14="http://schemas.microsoft.com/office/powerpoint/2010/main" val="1952988191"/>
       </p:ext>
     </p:extLst>
   </p:cSld>
@@ -4331,7 +4331,7 @@
     </p:spTree>
     <p:extLst>
       <p:ext uri="{BB962C8B-B14F-4D97-AF65-F5344CB8AC3E}">
-        <p14:creationId xmlns:p14="http://schemas.microsoft.com/office/powerpoint/2010/main" val="2917942357"/>
+        <p14:creationId xmlns:p14="http://schemas.microsoft.com/office/powerpoint/2010/main" val="2603532226"/>
       </p:ext>
     </p:extLst>
   </p:cSld>
@@ -4508,7 +4508,7 @@
     </p:spTree>
     <p:extLst>
       <p:ext uri="{BB962C8B-B14F-4D97-AF65-F5344CB8AC3E}">
-        <p14:creationId xmlns:p14="http://schemas.microsoft.com/office/powerpoint/2010/main" val="2436455650"/>
+        <p14:creationId xmlns:p14="http://schemas.microsoft.com/office/powerpoint/2010/main" val="842678464"/>
       </p:ext>
     </p:extLst>
   </p:cSld>
@@ -4841,7 +4841,7 @@
     </p:spTree>
     <p:extLst>
       <p:ext uri="{BB962C8B-B14F-4D97-AF65-F5344CB8AC3E}">
-        <p14:creationId xmlns:p14="http://schemas.microsoft.com/office/powerpoint/2010/main" val="897601789"/>
+        <p14:creationId xmlns:p14="http://schemas.microsoft.com/office/powerpoint/2010/main" val="2495591732"/>
       </p:ext>
     </p:extLst>
   </p:cSld>
@@ -5191,7 +5191,7 @@
     </p:spTree>
     <p:extLst>
       <p:ext uri="{BB962C8B-B14F-4D97-AF65-F5344CB8AC3E}">
-        <p14:creationId xmlns:p14="http://schemas.microsoft.com/office/powerpoint/2010/main" val="368809346"/>
+        <p14:creationId xmlns:p14="http://schemas.microsoft.com/office/powerpoint/2010/main" val="321120155"/>
       </p:ext>
     </p:extLst>
   </p:cSld>
@@ -5205,7 +5205,7 @@
 <p:sldMaster xmlns:a="http://schemas.openxmlformats.org/drawingml/2006/main" xmlns:r="http://schemas.openxmlformats.org/officeDocument/2006/relationships" xmlns:p="http://schemas.openxmlformats.org/presentationml/2006/main">
   <p:cSld>
     <p:bg>
-      <p:bgRef idx="1003">
+      <p:bgRef idx="1002">
         <a:schemeClr val="bg2"/>
       </p:bgRef>
     </p:bg>
@@ -6103,10 +6103,10 @@
         </p:nvGrpSpPr>
         <p:grpSpPr>
           <a:xfrm>
-            <a:off x="27221" y="-786"/>
-            <a:ext cx="2356674" cy="6854039"/>
-            <a:chOff x="6627813" y="194833"/>
-            <a:chExt cx="1952625" cy="5678918"/>
+            <a:off x="27221" y="157"/>
+            <a:ext cx="2356674" cy="6853096"/>
+            <a:chOff x="6627813" y="195610"/>
+            <a:chExt cx="1952625" cy="5678141"/>
           </a:xfrm>
         </p:grpSpPr>
         <p:sp>
@@ -6117,7 +6117,7 @@
           </p:nvSpPr>
           <p:spPr bwMode="auto">
             <a:xfrm>
-              <a:off x="6627813" y="194833"/>
+              <a:off x="6627813" y="195610"/>
               <a:ext cx="409575" cy="3646488"/>
             </a:xfrm>
             <a:custGeom>
@@ -7255,28 +7255,28 @@
     </p:spTree>
     <p:extLst>
       <p:ext uri="{BB962C8B-B14F-4D97-AF65-F5344CB8AC3E}">
-        <p14:creationId xmlns:p14="http://schemas.microsoft.com/office/powerpoint/2010/main" val="835551181"/>
+        <p14:creationId xmlns:p14="http://schemas.microsoft.com/office/powerpoint/2010/main" val="301561347"/>
       </p:ext>
     </p:extLst>
   </p:cSld>
   <p:clrMap bg1="lt1" tx1="dk1" bg2="lt2" tx2="dk2" accent1="accent1" accent2="accent2" accent3="accent3" accent4="accent4" accent5="accent5" accent6="accent6" hlink="hlink" folHlink="folHlink"/>
   <p:sldLayoutIdLst>
-    <p:sldLayoutId id="2147483969" r:id="rId1"/>
-    <p:sldLayoutId id="2147483970" r:id="rId2"/>
-    <p:sldLayoutId id="2147483971" r:id="rId3"/>
-    <p:sldLayoutId id="2147483972" r:id="rId4"/>
-    <p:sldLayoutId id="2147483973" r:id="rId5"/>
-    <p:sldLayoutId id="2147483974" r:id="rId6"/>
-    <p:sldLayoutId id="2147483975" r:id="rId7"/>
-    <p:sldLayoutId id="2147483976" r:id="rId8"/>
-    <p:sldLayoutId id="2147483977" r:id="rId9"/>
-    <p:sldLayoutId id="2147483978" r:id="rId10"/>
-    <p:sldLayoutId id="2147483979" r:id="rId11"/>
-    <p:sldLayoutId id="2147483980" r:id="rId12"/>
-    <p:sldLayoutId id="2147483981" r:id="rId13"/>
-    <p:sldLayoutId id="2147483982" r:id="rId14"/>
-    <p:sldLayoutId id="2147483983" r:id="rId15"/>
-    <p:sldLayoutId id="2147483984" r:id="rId16"/>
+    <p:sldLayoutId id="2147483986" r:id="rId1"/>
+    <p:sldLayoutId id="2147483987" r:id="rId2"/>
+    <p:sldLayoutId id="2147483988" r:id="rId3"/>
+    <p:sldLayoutId id="2147483989" r:id="rId4"/>
+    <p:sldLayoutId id="2147483990" r:id="rId5"/>
+    <p:sldLayoutId id="2147483991" r:id="rId6"/>
+    <p:sldLayoutId id="2147483992" r:id="rId7"/>
+    <p:sldLayoutId id="2147483993" r:id="rId8"/>
+    <p:sldLayoutId id="2147483994" r:id="rId9"/>
+    <p:sldLayoutId id="2147483995" r:id="rId10"/>
+    <p:sldLayoutId id="2147483996" r:id="rId11"/>
+    <p:sldLayoutId id="2147483997" r:id="rId12"/>
+    <p:sldLayoutId id="2147483998" r:id="rId13"/>
+    <p:sldLayoutId id="2147483999" r:id="rId14"/>
+    <p:sldLayoutId id="2147484000" r:id="rId15"/>
+    <p:sldLayoutId id="2147484001" r:id="rId16"/>
   </p:sldLayoutIdLst>
   <p:txStyles>
     <p:titleStyle>
@@ -7287,9 +7287,8 @@
         <a:buNone/>
         <a:defRPr sz="3600" kern="1200">
           <a:solidFill>
-            <a:schemeClr val="tx1">
-              <a:lumMod val="85000"/>
-              <a:lumOff val="15000"/>
+            <a:schemeClr val="accent2">
+              <a:lumMod val="75000"/>
             </a:schemeClr>
           </a:solidFill>
           <a:latin typeface="+mj-lt"/>
@@ -8786,14 +8785,26 @@
           <a:lstStyle/>
           <a:p>
             <a:r>
-              <a:rPr lang="it-IT" sz="1600" dirty="0"/>
+              <a:rPr lang="it-IT" sz="1600" dirty="0">
+                <a:solidFill>
+                  <a:schemeClr val="tx1"/>
+                </a:solidFill>
+              </a:rPr>
               <a:t>Spring Tools è stata la nostra «suite» di lavoro per la realizzazione e la scrittura del programma.</a:t>
             </a:r>
             <a:br>
-              <a:rPr lang="it-IT" sz="1600" dirty="0"/>
+              <a:rPr lang="it-IT" sz="1600" dirty="0">
+                <a:solidFill>
+                  <a:schemeClr val="tx1"/>
+                </a:solidFill>
+              </a:rPr>
             </a:br>
             <a:r>
-              <a:rPr lang="it-IT" sz="1600" dirty="0"/>
+              <a:rPr lang="it-IT" sz="1600" dirty="0">
+                <a:solidFill>
+                  <a:schemeClr val="tx1"/>
+                </a:solidFill>
+              </a:rPr>
               <a:t>Spring Tools è un ambiente di lavoro integrato derivato da Eclipse, il quale permette uno sviluppo più veloce di applicativi basati su Spring, fornisce supporto al linguaggio Java, al framework Spring ed all’eventuale ambiente di sviluppo.</a:t>
             </a:r>
           </a:p>
@@ -10700,7 +10711,11 @@
           <a:p>
             <a:pPr algn="ctr"/>
             <a:r>
-              <a:rPr lang="it-IT" sz="2400" dirty="0"/>
+              <a:rPr lang="it-IT" sz="2400" dirty="0">
+                <a:solidFill>
+                  <a:schemeClr val="tx1"/>
+                </a:solidFill>
+              </a:rPr>
               <a:t>Controllo Acquario Personale </a:t>
             </a:r>
           </a:p>
@@ -10720,7 +10735,7 @@
         </p:nvSpPr>
         <p:spPr>
           <a:xfrm>
-            <a:off x="2592925" y="1395167"/>
+            <a:off x="2592925" y="1412923"/>
             <a:ext cx="7711126" cy="3385542"/>
           </a:xfrm>
           <a:prstGeom prst="rect">
@@ -10990,7 +11005,11 @@
           <a:p>
             <a:pPr algn="ctr"/>
             <a:r>
-              <a:rPr lang="it-IT" sz="2400" dirty="0"/>
+              <a:rPr lang="it-IT" sz="2400" dirty="0">
+                <a:solidFill>
+                  <a:schemeClr val="tx1"/>
+                </a:solidFill>
+              </a:rPr>
               <a:t>Monitoraggio Acquario Personale</a:t>
             </a:r>
           </a:p>
@@ -11414,34 +11433,34 @@
         <a:sysClr val="window" lastClr="FFFFFF"/>
       </a:lt1>
       <a:dk2>
-        <a:srgbClr val="766F54"/>
+        <a:srgbClr val="2E5369"/>
       </a:dk2>
       <a:lt2>
-        <a:srgbClr val="E3EACF"/>
+        <a:srgbClr val="CFE2E7"/>
       </a:lt2>
       <a:accent1>
-        <a:srgbClr val="A53010"/>
+        <a:srgbClr val="353535"/>
       </a:accent1>
       <a:accent2>
-        <a:srgbClr val="DE7E18"/>
+        <a:srgbClr val="31B4E6"/>
       </a:accent2>
       <a:accent3>
-        <a:srgbClr val="9F8351"/>
+        <a:srgbClr val="265991"/>
       </a:accent3>
       <a:accent4>
-        <a:srgbClr val="728653"/>
+        <a:srgbClr val="7E40CC"/>
       </a:accent4>
       <a:accent5>
-        <a:srgbClr val="92AA4C"/>
+        <a:srgbClr val="B927E9"/>
       </a:accent5>
       <a:accent6>
-        <a:srgbClr val="6AAC91"/>
+        <a:srgbClr val="E833BF"/>
       </a:accent6>
       <a:hlink>
-        <a:srgbClr val="FB4A18"/>
+        <a:srgbClr val="2DA0F1"/>
       </a:hlink>
       <a:folHlink>
-        <a:srgbClr val="FB9318"/>
+        <a:srgbClr val="7ED1E6"/>
       </a:folHlink>
     </a:clrScheme>
     <a:fontScheme name="Filo">
@@ -11640,7 +11659,7 @@
   <a:extraClrSchemeLst/>
   <a:extLst>
     <a:ext uri="{05A4C25C-085E-4340-85A3-A5531E510DB2}">
-      <thm15:themeFamily xmlns:thm15="http://schemas.microsoft.com/office/thememl/2012/main" name="Wisp" id="{7CB32D59-10C0-40DD-B7BD-2E94284A981C}" vid="{24B1A44C-C006-48B2-A4D7-E5549B3D8CD4}"/>
+      <thm15:themeFamily xmlns:thm15="http://schemas.microsoft.com/office/thememl/2012/main" name="Wisp" id="{7CB32D59-10C0-40DD-B7BD-2E94284A981C}" vid="{4F34B87B-9C7A-41AE-A6CB-48536223DFFD}"/>
     </a:ext>
   </a:extLst>
 </a:theme>

--- a/presentazione applicazione.pptx
+++ b/presentazione applicazione.pptx
@@ -18,6 +18,7 @@
     <p:sldId id="266" r:id="rId12"/>
     <p:sldId id="258" r:id="rId13"/>
     <p:sldId id="259" r:id="rId14"/>
+    <p:sldId id="269" r:id="rId15"/>
   </p:sldIdLst>
   <p:sldSz cx="12192000" cy="6858000"/>
   <p:notesSz cx="6858000" cy="9144000"/>
@@ -312,7 +313,7 @@
           <a:p>
             <a:fld id="{0F32F8AE-CF9D-4C18-B6CB-F4D0053ECEA9}" type="datetimeFigureOut">
               <a:rPr lang="it-IT" smtClean="0"/>
-              <a:t>16/03/2022</a:t>
+              <a:t>18/03/2022</a:t>
             </a:fld>
             <a:endParaRPr lang="it-IT"/>
           </a:p>
@@ -650,7 +651,7 @@
           <a:p>
             <a:fld id="{0F32F8AE-CF9D-4C18-B6CB-F4D0053ECEA9}" type="datetimeFigureOut">
               <a:rPr lang="it-IT" smtClean="0"/>
-              <a:t>16/03/2022</a:t>
+              <a:t>18/03/2022</a:t>
             </a:fld>
             <a:endParaRPr lang="it-IT"/>
           </a:p>
@@ -1051,7 +1052,7 @@
           <a:p>
             <a:fld id="{0F32F8AE-CF9D-4C18-B6CB-F4D0053ECEA9}" type="datetimeFigureOut">
               <a:rPr lang="it-IT" smtClean="0"/>
-              <a:t>16/03/2022</a:t>
+              <a:t>18/03/2022</a:t>
             </a:fld>
             <a:endParaRPr lang="it-IT"/>
           </a:p>
@@ -1387,7 +1388,7 @@
           <a:p>
             <a:fld id="{0F32F8AE-CF9D-4C18-B6CB-F4D0053ECEA9}" type="datetimeFigureOut">
               <a:rPr lang="it-IT" smtClean="0"/>
-              <a:t>16/03/2022</a:t>
+              <a:t>18/03/2022</a:t>
             </a:fld>
             <a:endParaRPr lang="it-IT"/>
           </a:p>
@@ -1707,7 +1708,7 @@
           <a:p>
             <a:fld id="{0F32F8AE-CF9D-4C18-B6CB-F4D0053ECEA9}" type="datetimeFigureOut">
               <a:rPr lang="it-IT" smtClean="0"/>
-              <a:t>16/03/2022</a:t>
+              <a:t>18/03/2022</a:t>
             </a:fld>
             <a:endParaRPr lang="it-IT"/>
           </a:p>
@@ -2103,7 +2104,7 @@
           <a:p>
             <a:fld id="{0F32F8AE-CF9D-4C18-B6CB-F4D0053ECEA9}" type="datetimeFigureOut">
               <a:rPr lang="it-IT" smtClean="0"/>
-              <a:t>16/03/2022</a:t>
+              <a:t>18/03/2022</a:t>
             </a:fld>
             <a:endParaRPr lang="it-IT"/>
           </a:p>
@@ -2360,7 +2361,7 @@
           <a:p>
             <a:fld id="{0F32F8AE-CF9D-4C18-B6CB-F4D0053ECEA9}" type="datetimeFigureOut">
               <a:rPr lang="it-IT" smtClean="0"/>
-              <a:t>16/03/2022</a:t>
+              <a:t>18/03/2022</a:t>
             </a:fld>
             <a:endParaRPr lang="it-IT"/>
           </a:p>
@@ -2622,7 +2623,7 @@
           <a:p>
             <a:fld id="{0F32F8AE-CF9D-4C18-B6CB-F4D0053ECEA9}" type="datetimeFigureOut">
               <a:rPr lang="it-IT" smtClean="0"/>
-              <a:t>16/03/2022</a:t>
+              <a:t>18/03/2022</a:t>
             </a:fld>
             <a:endParaRPr lang="it-IT"/>
           </a:p>
@@ -2884,7 +2885,7 @@
           <a:p>
             <a:fld id="{0F32F8AE-CF9D-4C18-B6CB-F4D0053ECEA9}" type="datetimeFigureOut">
               <a:rPr lang="it-IT" smtClean="0"/>
-              <a:t>16/03/2022</a:t>
+              <a:t>18/03/2022</a:t>
             </a:fld>
             <a:endParaRPr lang="it-IT"/>
           </a:p>
@@ -3213,7 +3214,7 @@
           <a:p>
             <a:fld id="{0F32F8AE-CF9D-4C18-B6CB-F4D0053ECEA9}" type="datetimeFigureOut">
               <a:rPr lang="it-IT" smtClean="0"/>
-              <a:t>16/03/2022</a:t>
+              <a:t>18/03/2022</a:t>
             </a:fld>
             <a:endParaRPr lang="it-IT"/>
           </a:p>
@@ -3536,7 +3537,7 @@
           <a:p>
             <a:fld id="{0F32F8AE-CF9D-4C18-B6CB-F4D0053ECEA9}" type="datetimeFigureOut">
               <a:rPr lang="it-IT" smtClean="0"/>
-              <a:t>16/03/2022</a:t>
+              <a:t>18/03/2022</a:t>
             </a:fld>
             <a:endParaRPr lang="it-IT"/>
           </a:p>
@@ -3993,7 +3994,7 @@
           <a:p>
             <a:fld id="{0F32F8AE-CF9D-4C18-B6CB-F4D0053ECEA9}" type="datetimeFigureOut">
               <a:rPr lang="it-IT" smtClean="0"/>
-              <a:t>16/03/2022</a:t>
+              <a:t>18/03/2022</a:t>
             </a:fld>
             <a:endParaRPr lang="it-IT"/>
           </a:p>
@@ -4198,7 +4199,7 @@
           <a:p>
             <a:fld id="{0F32F8AE-CF9D-4C18-B6CB-F4D0053ECEA9}" type="datetimeFigureOut">
               <a:rPr lang="it-IT" smtClean="0"/>
-              <a:t>16/03/2022</a:t>
+              <a:t>18/03/2022</a:t>
             </a:fld>
             <a:endParaRPr lang="it-IT"/>
           </a:p>
@@ -4375,7 +4376,7 @@
           <a:p>
             <a:fld id="{0F32F8AE-CF9D-4C18-B6CB-F4D0053ECEA9}" type="datetimeFigureOut">
               <a:rPr lang="it-IT" smtClean="0"/>
-              <a:t>16/03/2022</a:t>
+              <a:t>18/03/2022</a:t>
             </a:fld>
             <a:endParaRPr lang="it-IT"/>
           </a:p>
@@ -4708,7 +4709,7 @@
           <a:p>
             <a:fld id="{0F32F8AE-CF9D-4C18-B6CB-F4D0053ECEA9}" type="datetimeFigureOut">
               <a:rPr lang="it-IT" smtClean="0"/>
-              <a:t>16/03/2022</a:t>
+              <a:t>18/03/2022</a:t>
             </a:fld>
             <a:endParaRPr lang="it-IT"/>
           </a:p>
@@ -5053,7 +5054,7 @@
           <a:p>
             <a:fld id="{0F32F8AE-CF9D-4C18-B6CB-F4D0053ECEA9}" type="datetimeFigureOut">
               <a:rPr lang="it-IT" smtClean="0"/>
-              <a:t>16/03/2022</a:t>
+              <a:t>18/03/2022</a:t>
             </a:fld>
             <a:endParaRPr lang="it-IT"/>
           </a:p>
@@ -7170,7 +7171,7 @@
           <a:p>
             <a:fld id="{0F32F8AE-CF9D-4C18-B6CB-F4D0053ECEA9}" type="datetimeFigureOut">
               <a:rPr lang="it-IT" smtClean="0"/>
-              <a:t>16/03/2022</a:t>
+              <a:t>18/03/2022</a:t>
             </a:fld>
             <a:endParaRPr lang="it-IT"/>
           </a:p>
@@ -8456,7 +8457,7 @@
         <p:spPr>
           <a:xfrm>
             <a:off x="1488489" y="941033"/>
-            <a:ext cx="9215021" cy="1569660"/>
+            <a:ext cx="9215021" cy="1815882"/>
           </a:xfrm>
           <a:prstGeom prst="rect">
             <a:avLst/>
@@ -8499,6 +8500,12 @@
             <a:r>
               <a:rPr lang="it-IT" sz="1600" dirty="0"/>
               <a:t>-Thymelife: per il template engine</a:t>
+            </a:r>
+          </a:p>
+          <a:p>
+            <a:r>
+              <a:rPr lang="it-IT" sz="1600" dirty="0"/>
+              <a:t>-Database: insieme di informazioni di dati</a:t>
             </a:r>
           </a:p>
         </p:txBody>
@@ -9403,6 +9410,214 @@
     <p:extLst>
       <p:ext uri="{BB962C8B-B14F-4D97-AF65-F5344CB8AC3E}">
         <p14:creationId xmlns:p14="http://schemas.microsoft.com/office/powerpoint/2010/main" val="3769179388"/>
+      </p:ext>
+    </p:extLst>
+  </p:cSld>
+  <p:clrMapOvr>
+    <a:masterClrMapping/>
+  </p:clrMapOvr>
+</p:sld>
+</file>
+
+<file path=ppt/slides/slide14.xml><?xml version="1.0" encoding="utf-8"?>
+<p:sld xmlns:a="http://schemas.openxmlformats.org/drawingml/2006/main" xmlns:r="http://schemas.openxmlformats.org/officeDocument/2006/relationships" xmlns:p="http://schemas.openxmlformats.org/presentationml/2006/main">
+  <p:cSld>
+    <p:spTree>
+      <p:nvGrpSpPr>
+        <p:cNvPr id="1" name=""/>
+        <p:cNvGrpSpPr/>
+        <p:nvPr/>
+      </p:nvGrpSpPr>
+      <p:grpSpPr>
+        <a:xfrm>
+          <a:off x="0" y="0"/>
+          <a:ext cx="0" cy="0"/>
+          <a:chOff x="0" y="0"/>
+          <a:chExt cx="0" cy="0"/>
+        </a:xfrm>
+      </p:grpSpPr>
+      <p:pic>
+        <p:nvPicPr>
+          <p:cNvPr id="5" name="Immagine 4" descr="Immagine che contiene testo, stanza&#10;&#10;Descrizione generata automaticamente">
+            <a:extLst>
+              <a:ext uri="{FF2B5EF4-FFF2-40B4-BE49-F238E27FC236}">
+                <a16:creationId xmlns:a16="http://schemas.microsoft.com/office/drawing/2014/main" id="{AAD2C843-011A-4298-8F05-0137CB3F0D7C}"/>
+              </a:ext>
+            </a:extLst>
+          </p:cNvPr>
+          <p:cNvPicPr>
+            <a:picLocks noChangeAspect="1"/>
+          </p:cNvPicPr>
+          <p:nvPr/>
+        </p:nvPicPr>
+        <p:blipFill>
+          <a:blip r:embed="rId2">
+            <a:extLst>
+              <a:ext uri="{28A0092B-C50C-407E-A947-70E740481C1C}">
+                <a14:useLocalDpi xmlns:a14="http://schemas.microsoft.com/office/drawing/2010/main" val="0"/>
+              </a:ext>
+            </a:extLst>
+          </a:blip>
+          <a:stretch>
+            <a:fillRect/>
+          </a:stretch>
+        </p:blipFill>
+        <p:spPr>
+          <a:xfrm>
+            <a:off x="1874389" y="781234"/>
+            <a:ext cx="1212541" cy="1212541"/>
+          </a:xfrm>
+          <a:prstGeom prst="rect">
+            <a:avLst/>
+          </a:prstGeom>
+        </p:spPr>
+      </p:pic>
+      <p:pic>
+        <p:nvPicPr>
+          <p:cNvPr id="7" name="Immagine 6">
+            <a:extLst>
+              <a:ext uri="{FF2B5EF4-FFF2-40B4-BE49-F238E27FC236}">
+                <a16:creationId xmlns:a16="http://schemas.microsoft.com/office/drawing/2014/main" id="{EBA533D7-14A6-4F62-BB1D-6C94C4EC6BA3}"/>
+              </a:ext>
+            </a:extLst>
+          </p:cNvPr>
+          <p:cNvPicPr>
+            <a:picLocks noChangeAspect="1"/>
+          </p:cNvPicPr>
+          <p:nvPr/>
+        </p:nvPicPr>
+        <p:blipFill>
+          <a:blip r:embed="rId3">
+            <a:extLst>
+              <a:ext uri="{28A0092B-C50C-407E-A947-70E740481C1C}">
+                <a14:useLocalDpi xmlns:a14="http://schemas.microsoft.com/office/drawing/2010/main" val="0"/>
+              </a:ext>
+            </a:extLst>
+          </a:blip>
+          <a:stretch>
+            <a:fillRect/>
+          </a:stretch>
+        </p:blipFill>
+        <p:spPr>
+          <a:xfrm>
+            <a:off x="9201150" y="4467225"/>
+            <a:ext cx="2057400" cy="1543050"/>
+          </a:xfrm>
+          <a:prstGeom prst="rect">
+            <a:avLst/>
+          </a:prstGeom>
+        </p:spPr>
+      </p:pic>
+      <p:sp>
+        <p:nvSpPr>
+          <p:cNvPr id="8" name="CasellaDiTesto 7">
+            <a:extLst>
+              <a:ext uri="{FF2B5EF4-FFF2-40B4-BE49-F238E27FC236}">
+                <a16:creationId xmlns:a16="http://schemas.microsoft.com/office/drawing/2014/main" id="{033097E4-F03D-4366-883C-509C9C5D3D54}"/>
+              </a:ext>
+            </a:extLst>
+          </p:cNvPr>
+          <p:cNvSpPr txBox="1"/>
+          <p:nvPr/>
+        </p:nvSpPr>
+        <p:spPr>
+          <a:xfrm>
+            <a:off x="11715751" y="6488668"/>
+            <a:ext cx="571500" cy="369332"/>
+          </a:xfrm>
+          <a:prstGeom prst="rect">
+            <a:avLst/>
+          </a:prstGeom>
+          <a:noFill/>
+        </p:spPr>
+        <p:txBody>
+          <a:bodyPr wrap="square" rtlCol="0">
+            <a:spAutoFit/>
+          </a:bodyPr>
+          <a:lstStyle/>
+          <a:p>
+            <a:r>
+              <a:rPr lang="it-IT" dirty="0"/>
+              <a:t>13</a:t>
+            </a:r>
+          </a:p>
+        </p:txBody>
+      </p:sp>
+      <p:sp>
+        <p:nvSpPr>
+          <p:cNvPr id="10" name="CasellaDiTesto 9">
+            <a:extLst>
+              <a:ext uri="{FF2B5EF4-FFF2-40B4-BE49-F238E27FC236}">
+                <a16:creationId xmlns:a16="http://schemas.microsoft.com/office/drawing/2014/main" id="{08BA01C3-88FD-4823-A0A0-FCBA0E2026E2}"/>
+              </a:ext>
+            </a:extLst>
+          </p:cNvPr>
+          <p:cNvSpPr txBox="1"/>
+          <p:nvPr/>
+        </p:nvSpPr>
+        <p:spPr>
+          <a:xfrm>
+            <a:off x="2998153" y="2561300"/>
+            <a:ext cx="5046773" cy="2308324"/>
+          </a:xfrm>
+          <a:prstGeom prst="rect">
+            <a:avLst/>
+          </a:prstGeom>
+          <a:noFill/>
+        </p:spPr>
+        <p:txBody>
+          <a:bodyPr wrap="square" rtlCol="0">
+            <a:spAutoFit/>
+          </a:bodyPr>
+          <a:lstStyle/>
+          <a:p>
+            <a:r>
+              <a:rPr lang="it-IT" sz="1600" dirty="0"/>
+              <a:t>Un Database è un insieme di informazioni o dati in un sistema informatico  I dati all'interno dei tipi più comuni di database attualmente in funzione vengono generalmente presentati in righe e colonne contenute in una serie di tabelle per garantire l'efficienza di elaborazione e query dei dati. Tali dati possono poi essere facilmente visualizzati, gestiti, modificati, aggiornati, controllati e organizzati.</a:t>
+            </a:r>
+          </a:p>
+        </p:txBody>
+      </p:sp>
+      <p:sp>
+        <p:nvSpPr>
+          <p:cNvPr id="11" name="CasellaDiTesto 10">
+            <a:extLst>
+              <a:ext uri="{FF2B5EF4-FFF2-40B4-BE49-F238E27FC236}">
+                <a16:creationId xmlns:a16="http://schemas.microsoft.com/office/drawing/2014/main" id="{4A5288E9-D0E9-4D44-B1D8-6EA5C2D1DD24}"/>
+              </a:ext>
+            </a:extLst>
+          </p:cNvPr>
+          <p:cNvSpPr txBox="1"/>
+          <p:nvPr/>
+        </p:nvSpPr>
+        <p:spPr>
+          <a:xfrm>
+            <a:off x="3835153" y="630315"/>
+            <a:ext cx="3497802" cy="369332"/>
+          </a:xfrm>
+          <a:prstGeom prst="rect">
+            <a:avLst/>
+          </a:prstGeom>
+          <a:noFill/>
+        </p:spPr>
+        <p:txBody>
+          <a:bodyPr wrap="square" rtlCol="0">
+            <a:spAutoFit/>
+          </a:bodyPr>
+          <a:lstStyle/>
+          <a:p>
+            <a:pPr algn="ctr"/>
+            <a:r>
+              <a:rPr lang="it-IT" dirty="0"/>
+              <a:t>Database</a:t>
+            </a:r>
+          </a:p>
+        </p:txBody>
+      </p:sp>
+    </p:spTree>
+    <p:extLst>
+      <p:ext uri="{BB962C8B-B14F-4D97-AF65-F5344CB8AC3E}">
+        <p14:creationId xmlns:p14="http://schemas.microsoft.com/office/powerpoint/2010/main" val="3725945311"/>
       </p:ext>
     </p:extLst>
   </p:cSld>

--- a/presentazione applicazione.pptx
+++ b/presentazione applicazione.pptx
@@ -313,7 +313,7 @@
           <a:p>
             <a:fld id="{0F32F8AE-CF9D-4C18-B6CB-F4D0053ECEA9}" type="datetimeFigureOut">
               <a:rPr lang="it-IT" smtClean="0"/>
-              <a:t>18/03/2022</a:t>
+              <a:t>21/03/2022</a:t>
             </a:fld>
             <a:endParaRPr lang="it-IT"/>
           </a:p>
@@ -651,7 +651,7 @@
           <a:p>
             <a:fld id="{0F32F8AE-CF9D-4C18-B6CB-F4D0053ECEA9}" type="datetimeFigureOut">
               <a:rPr lang="it-IT" smtClean="0"/>
-              <a:t>18/03/2022</a:t>
+              <a:t>21/03/2022</a:t>
             </a:fld>
             <a:endParaRPr lang="it-IT"/>
           </a:p>
@@ -1052,7 +1052,7 @@
           <a:p>
             <a:fld id="{0F32F8AE-CF9D-4C18-B6CB-F4D0053ECEA9}" type="datetimeFigureOut">
               <a:rPr lang="it-IT" smtClean="0"/>
-              <a:t>18/03/2022</a:t>
+              <a:t>21/03/2022</a:t>
             </a:fld>
             <a:endParaRPr lang="it-IT"/>
           </a:p>
@@ -1388,7 +1388,7 @@
           <a:p>
             <a:fld id="{0F32F8AE-CF9D-4C18-B6CB-F4D0053ECEA9}" type="datetimeFigureOut">
               <a:rPr lang="it-IT" smtClean="0"/>
-              <a:t>18/03/2022</a:t>
+              <a:t>21/03/2022</a:t>
             </a:fld>
             <a:endParaRPr lang="it-IT"/>
           </a:p>
@@ -1708,7 +1708,7 @@
           <a:p>
             <a:fld id="{0F32F8AE-CF9D-4C18-B6CB-F4D0053ECEA9}" type="datetimeFigureOut">
               <a:rPr lang="it-IT" smtClean="0"/>
-              <a:t>18/03/2022</a:t>
+              <a:t>21/03/2022</a:t>
             </a:fld>
             <a:endParaRPr lang="it-IT"/>
           </a:p>
@@ -2104,7 +2104,7 @@
           <a:p>
             <a:fld id="{0F32F8AE-CF9D-4C18-B6CB-F4D0053ECEA9}" type="datetimeFigureOut">
               <a:rPr lang="it-IT" smtClean="0"/>
-              <a:t>18/03/2022</a:t>
+              <a:t>21/03/2022</a:t>
             </a:fld>
             <a:endParaRPr lang="it-IT"/>
           </a:p>
@@ -2361,7 +2361,7 @@
           <a:p>
             <a:fld id="{0F32F8AE-CF9D-4C18-B6CB-F4D0053ECEA9}" type="datetimeFigureOut">
               <a:rPr lang="it-IT" smtClean="0"/>
-              <a:t>18/03/2022</a:t>
+              <a:t>21/03/2022</a:t>
             </a:fld>
             <a:endParaRPr lang="it-IT"/>
           </a:p>
@@ -2623,7 +2623,7 @@
           <a:p>
             <a:fld id="{0F32F8AE-CF9D-4C18-B6CB-F4D0053ECEA9}" type="datetimeFigureOut">
               <a:rPr lang="it-IT" smtClean="0"/>
-              <a:t>18/03/2022</a:t>
+              <a:t>21/03/2022</a:t>
             </a:fld>
             <a:endParaRPr lang="it-IT"/>
           </a:p>
@@ -2885,7 +2885,7 @@
           <a:p>
             <a:fld id="{0F32F8AE-CF9D-4C18-B6CB-F4D0053ECEA9}" type="datetimeFigureOut">
               <a:rPr lang="it-IT" smtClean="0"/>
-              <a:t>18/03/2022</a:t>
+              <a:t>21/03/2022</a:t>
             </a:fld>
             <a:endParaRPr lang="it-IT"/>
           </a:p>
@@ -3214,7 +3214,7 @@
           <a:p>
             <a:fld id="{0F32F8AE-CF9D-4C18-B6CB-F4D0053ECEA9}" type="datetimeFigureOut">
               <a:rPr lang="it-IT" smtClean="0"/>
-              <a:t>18/03/2022</a:t>
+              <a:t>21/03/2022</a:t>
             </a:fld>
             <a:endParaRPr lang="it-IT"/>
           </a:p>
@@ -3537,7 +3537,7 @@
           <a:p>
             <a:fld id="{0F32F8AE-CF9D-4C18-B6CB-F4D0053ECEA9}" type="datetimeFigureOut">
               <a:rPr lang="it-IT" smtClean="0"/>
-              <a:t>18/03/2022</a:t>
+              <a:t>21/03/2022</a:t>
             </a:fld>
             <a:endParaRPr lang="it-IT"/>
           </a:p>
@@ -3994,7 +3994,7 @@
           <a:p>
             <a:fld id="{0F32F8AE-CF9D-4C18-B6CB-F4D0053ECEA9}" type="datetimeFigureOut">
               <a:rPr lang="it-IT" smtClean="0"/>
-              <a:t>18/03/2022</a:t>
+              <a:t>21/03/2022</a:t>
             </a:fld>
             <a:endParaRPr lang="it-IT"/>
           </a:p>
@@ -4199,7 +4199,7 @@
           <a:p>
             <a:fld id="{0F32F8AE-CF9D-4C18-B6CB-F4D0053ECEA9}" type="datetimeFigureOut">
               <a:rPr lang="it-IT" smtClean="0"/>
-              <a:t>18/03/2022</a:t>
+              <a:t>21/03/2022</a:t>
             </a:fld>
             <a:endParaRPr lang="it-IT"/>
           </a:p>
@@ -4376,7 +4376,7 @@
           <a:p>
             <a:fld id="{0F32F8AE-CF9D-4C18-B6CB-F4D0053ECEA9}" type="datetimeFigureOut">
               <a:rPr lang="it-IT" smtClean="0"/>
-              <a:t>18/03/2022</a:t>
+              <a:t>21/03/2022</a:t>
             </a:fld>
             <a:endParaRPr lang="it-IT"/>
           </a:p>
@@ -4709,7 +4709,7 @@
           <a:p>
             <a:fld id="{0F32F8AE-CF9D-4C18-B6CB-F4D0053ECEA9}" type="datetimeFigureOut">
               <a:rPr lang="it-IT" smtClean="0"/>
-              <a:t>18/03/2022</a:t>
+              <a:t>21/03/2022</a:t>
             </a:fld>
             <a:endParaRPr lang="it-IT"/>
           </a:p>
@@ -5054,7 +5054,7 @@
           <a:p>
             <a:fld id="{0F32F8AE-CF9D-4C18-B6CB-F4D0053ECEA9}" type="datetimeFigureOut">
               <a:rPr lang="it-IT" smtClean="0"/>
-              <a:t>18/03/2022</a:t>
+              <a:t>21/03/2022</a:t>
             </a:fld>
             <a:endParaRPr lang="it-IT"/>
           </a:p>
@@ -7171,7 +7171,7 @@
           <a:p>
             <a:fld id="{0F32F8AE-CF9D-4C18-B6CB-F4D0053ECEA9}" type="datetimeFigureOut">
               <a:rPr lang="it-IT" smtClean="0"/>
-              <a:t>18/03/2022</a:t>
+              <a:t>21/03/2022</a:t>
             </a:fld>
             <a:endParaRPr lang="it-IT"/>
           </a:p>
@@ -8457,7 +8457,7 @@
         <p:spPr>
           <a:xfrm>
             <a:off x="1488489" y="941033"/>
-            <a:ext cx="9215021" cy="1815882"/>
+            <a:ext cx="9215021" cy="2062103"/>
           </a:xfrm>
           <a:prstGeom prst="rect">
             <a:avLst/>
@@ -8481,31 +8481,53 @@
           <a:p>
             <a:r>
               <a:rPr lang="it-IT" sz="1600" dirty="0"/>
-              <a:t>-Spring Tools: suite di lavoro (ambiente di lavoro integrato derivato da Eclipse)</a:t>
+              <a:t>- Spring Tools: suite di lavoro (ambiente di lavoro integrato derivato da Eclipse)</a:t>
             </a:r>
           </a:p>
           <a:p>
             <a:r>
               <a:rPr lang="it-IT" sz="1600" dirty="0"/>
-              <a:t>-KeyCloak: per la sicurezza</a:t>
-            </a:r>
-          </a:p>
-          <a:p>
+              <a:t>- </a:t>
+            </a:r>
+            <a:r>
+              <a:rPr lang="it-IT" sz="1600" dirty="0" err="1"/>
+              <a:t>KeyCloak</a:t>
+            </a:r>
             <a:r>
               <a:rPr lang="it-IT" sz="1600" dirty="0"/>
-              <a:t>-Bootstrap: per la parte di front end </a:t>
+              <a:t>: per la sicurezza</a:t>
             </a:r>
           </a:p>
           <a:p>
             <a:r>
               <a:rPr lang="it-IT" sz="1600" dirty="0"/>
-              <a:t>-Thymelife: per il template engine</a:t>
+              <a:t>- Bootstrap: per la parte di front end </a:t>
             </a:r>
           </a:p>
           <a:p>
             <a:r>
               <a:rPr lang="it-IT" sz="1600" dirty="0"/>
-              <a:t>-Database: insieme di informazioni di dati</a:t>
+              <a:t>- </a:t>
+            </a:r>
+            <a:r>
+              <a:rPr lang="it-IT" sz="1600" dirty="0" err="1"/>
+              <a:t>Thymelife</a:t>
+            </a:r>
+            <a:r>
+              <a:rPr lang="it-IT" sz="1600" dirty="0"/>
+              <a:t>: per il template engine</a:t>
+            </a:r>
+          </a:p>
+          <a:p>
+            <a:r>
+              <a:rPr lang="it-IT" sz="1600" dirty="0"/>
+              <a:t>- MySQL DB: insieme di informazioni di dati</a:t>
+            </a:r>
+          </a:p>
+          <a:p>
+            <a:r>
+              <a:rPr lang="it-IT" sz="1600" dirty="0"/>
+              <a:t>- Apache Kafka (da terminare)</a:t>
             </a:r>
           </a:p>
         </p:txBody>
@@ -9557,8 +9579,8 @@
         </p:nvSpPr>
         <p:spPr>
           <a:xfrm>
-            <a:off x="2998153" y="2561300"/>
-            <a:ext cx="5046773" cy="2308324"/>
+            <a:off x="3478816" y="2277456"/>
+            <a:ext cx="4916247" cy="3046988"/>
           </a:xfrm>
           <a:prstGeom prst="rect">
             <a:avLst/>
@@ -9573,7 +9595,13 @@
           <a:p>
             <a:r>
               <a:rPr lang="it-IT" sz="1600" dirty="0"/>
-              <a:t>Un Database è un insieme di informazioni o dati in un sistema informatico  I dati all'interno dei tipi più comuni di database attualmente in funzione vengono generalmente presentati in righe e colonne contenute in una serie di tabelle per garantire l'efficienza di elaborazione e query dei dati. Tali dati possono poi essere facilmente visualizzati, gestiti, modificati, aggiornati, controllati e organizzati.</a:t>
+              <a:t>MySQL è un sistema open source di gestione di database relazionali SQL sviluppato e supportato da Oracle.</a:t>
+            </a:r>
+          </a:p>
+          <a:p>
+            <a:r>
+              <a:rPr lang="it-IT" sz="1600" dirty="0"/>
+              <a:t>Un Database è un insieme di informazioni o dati in un sistema informatico. I dati all'interno dei tipi più comuni di database attualmente in funzione vengono generalmente presentati in righe e colonne contenute in una serie di tabelle per garantire l'efficienza di elaborazione e query dei dati. Tali dati possono poi essere facilmente visualizzati, gestiti, modificati, aggiornati, controllati e organizzati.</a:t>
             </a:r>
           </a:p>
         </p:txBody>
@@ -9609,7 +9637,7 @@
             <a:pPr algn="ctr"/>
             <a:r>
               <a:rPr lang="it-IT" dirty="0"/>
-              <a:t>Database</a:t>
+              <a:t>MySQL DB</a:t>
             </a:r>
           </a:p>
         </p:txBody>

--- a/presentazione applicazione.pptx
+++ b/presentazione applicazione.pptx
@@ -8108,6 +8108,9 @@
                     <p:cTn id="3" fill="hold">
                       <p:stCondLst>
                         <p:cond delay="indefinite"/>
+                        <p:cond evt="onBegin" delay="0">
+                          <p:tn val="2"/>
+                        </p:cond>
                       </p:stCondLst>
                       <p:childTnLst>
                         <p:par>
@@ -8117,7 +8120,7 @@
                             </p:stCondLst>
                             <p:childTnLst>
                               <p:par>
-                                <p:cTn id="5" presetID="42" presetClass="entr" presetSubtype="0" fill="hold" nodeType="clickEffect">
+                                <p:cTn id="5" presetID="6" presetClass="entr" presetSubtype="16" fill="hold" nodeType="withEffect">
                                   <p:stCondLst>
                                     <p:cond delay="0"/>
                                   </p:stCondLst>
@@ -8125,6 +8128,41 @@
                                     <p:set>
                                       <p:cBhvr>
                                         <p:cTn id="6" dur="1" fill="hold">
+                                          <p:stCondLst>
+                                            <p:cond delay="0"/>
+                                          </p:stCondLst>
+                                        </p:cTn>
+                                        <p:tgtEl>
+                                          <p:spTgt spid="6"/>
+                                        </p:tgtEl>
+                                        <p:attrNameLst>
+                                          <p:attrName>style.visibility</p:attrName>
+                                        </p:attrNameLst>
+                                      </p:cBhvr>
+                                      <p:to>
+                                        <p:strVal val="visible"/>
+                                      </p:to>
+                                    </p:set>
+                                    <p:animEffect transition="in" filter="circle(in)">
+                                      <p:cBhvr>
+                                        <p:cTn id="7" dur="2000"/>
+                                        <p:tgtEl>
+                                          <p:spTgt spid="6"/>
+                                        </p:tgtEl>
+                                      </p:cBhvr>
+                                    </p:animEffect>
+                                  </p:childTnLst>
+                                </p:cTn>
+                              </p:par>
+                              <p:par>
+                                <p:cTn id="8" presetID="42" presetClass="entr" presetSubtype="0" fill="hold" nodeType="withEffect">
+                                  <p:stCondLst>
+                                    <p:cond delay="1000"/>
+                                  </p:stCondLst>
+                                  <p:childTnLst>
+                                    <p:set>
+                                      <p:cBhvr>
+                                        <p:cTn id="9" dur="1" fill="hold">
                                           <p:stCondLst>
                                             <p:cond delay="0"/>
                                           </p:stCondLst>
@@ -8142,7 +8180,7 @@
                                     </p:set>
                                     <p:animEffect transition="in" filter="fade">
                                       <p:cBhvr>
-                                        <p:cTn id="7" dur="1000"/>
+                                        <p:cTn id="10" dur="1000"/>
                                         <p:tgtEl>
                                           <p:spTgt spid="56"/>
                                         </p:tgtEl>
@@ -8150,7 +8188,7 @@
                                     </p:animEffect>
                                     <p:anim calcmode="lin" valueType="num">
                                       <p:cBhvr>
-                                        <p:cTn id="8" dur="1000" fill="hold"/>
+                                        <p:cTn id="11" dur="1000" fill="hold"/>
                                         <p:tgtEl>
                                           <p:spTgt spid="56"/>
                                         </p:tgtEl>
@@ -8173,7 +8211,7 @@
                                     </p:anim>
                                     <p:anim calcmode="lin" valueType="num">
                                       <p:cBhvr>
-                                        <p:cTn id="9" dur="1000" fill="hold"/>
+                                        <p:cTn id="12" dur="1000" fill="hold"/>
                                         <p:tgtEl>
                                           <p:spTgt spid="56"/>
                                         </p:tgtEl>
@@ -8200,30 +8238,21 @@
                             </p:childTnLst>
                           </p:cTn>
                         </p:par>
-                      </p:childTnLst>
-                    </p:cTn>
-                  </p:par>
-                  <p:par>
-                    <p:cTn id="10" fill="hold">
-                      <p:stCondLst>
-                        <p:cond delay="indefinite"/>
-                      </p:stCondLst>
-                      <p:childTnLst>
                         <p:par>
-                          <p:cTn id="11" fill="hold">
+                          <p:cTn id="13" fill="hold">
                             <p:stCondLst>
-                              <p:cond delay="0"/>
+                              <p:cond delay="2000"/>
                             </p:stCondLst>
                             <p:childTnLst>
                               <p:par>
-                                <p:cTn id="12" presetID="22" presetClass="entr" presetSubtype="4" fill="hold" nodeType="clickEffect">
+                                <p:cTn id="14" presetID="22" presetClass="entr" presetSubtype="4" fill="hold" nodeType="afterEffect">
                                   <p:stCondLst>
                                     <p:cond delay="0"/>
                                   </p:stCondLst>
                                   <p:childTnLst>
                                     <p:set>
                                       <p:cBhvr>
-                                        <p:cTn id="13" dur="1" fill="hold">
+                                        <p:cTn id="15" dur="1" fill="hold">
                                           <p:stCondLst>
                                             <p:cond delay="0"/>
                                           </p:stCondLst>
@@ -8241,7 +8270,7 @@
                                     </p:set>
                                     <p:animEffect transition="in" filter="wipe(down)">
                                       <p:cBhvr>
-                                        <p:cTn id="14" dur="500"/>
+                                        <p:cTn id="16" dur="500"/>
                                         <p:tgtEl>
                                           <p:spTgt spid="39"/>
                                         </p:tgtEl>
@@ -8253,30 +8282,21 @@
                             </p:childTnLst>
                           </p:cTn>
                         </p:par>
-                      </p:childTnLst>
-                    </p:cTn>
-                  </p:par>
-                  <p:par>
-                    <p:cTn id="15" fill="hold">
-                      <p:stCondLst>
-                        <p:cond delay="indefinite"/>
-                      </p:stCondLst>
-                      <p:childTnLst>
                         <p:par>
-                          <p:cTn id="16" fill="hold">
+                          <p:cTn id="17" fill="hold">
                             <p:stCondLst>
-                              <p:cond delay="0"/>
+                              <p:cond delay="2500"/>
                             </p:stCondLst>
                             <p:childTnLst>
                               <p:par>
-                                <p:cTn id="17" presetID="2" presetClass="entr" presetSubtype="4" fill="hold" nodeType="clickEffect">
+                                <p:cTn id="18" presetID="2" presetClass="entr" presetSubtype="4" fill="hold" nodeType="afterEffect">
                                   <p:stCondLst>
                                     <p:cond delay="0"/>
                                   </p:stCondLst>
                                   <p:childTnLst>
                                     <p:set>
                                       <p:cBhvr>
-                                        <p:cTn id="18" dur="1" fill="hold">
+                                        <p:cTn id="19" dur="1" fill="hold">
                                           <p:stCondLst>
                                             <p:cond delay="0"/>
                                           </p:stCondLst>
@@ -8294,7 +8314,7 @@
                                     </p:set>
                                     <p:anim calcmode="lin" valueType="num">
                                       <p:cBhvr additive="base">
-                                        <p:cTn id="19" dur="500" fill="hold"/>
+                                        <p:cTn id="20" dur="500" fill="hold"/>
                                         <p:tgtEl>
                                           <p:spTgt spid="8"/>
                                         </p:tgtEl>
@@ -8317,7 +8337,7 @@
                                     </p:anim>
                                     <p:anim calcmode="lin" valueType="num">
                                       <p:cBhvr additive="base">
-                                        <p:cTn id="20" dur="500" fill="hold"/>
+                                        <p:cTn id="21" dur="500" fill="hold"/>
                                         <p:tgtEl>
                                           <p:spTgt spid="8"/>
                                         </p:tgtEl>
@@ -8338,59 +8358,6 @@
                                         </p:tav>
                                       </p:tavLst>
                                     </p:anim>
-                                  </p:childTnLst>
-                                </p:cTn>
-                              </p:par>
-                            </p:childTnLst>
-                          </p:cTn>
-                        </p:par>
-                      </p:childTnLst>
-                    </p:cTn>
-                  </p:par>
-                  <p:par>
-                    <p:cTn id="21" fill="hold">
-                      <p:stCondLst>
-                        <p:cond delay="indefinite"/>
-                      </p:stCondLst>
-                      <p:childTnLst>
-                        <p:par>
-                          <p:cTn id="22" fill="hold">
-                            <p:stCondLst>
-                              <p:cond delay="0"/>
-                            </p:stCondLst>
-                            <p:childTnLst>
-                              <p:par>
-                                <p:cTn id="23" presetID="6" presetClass="entr" presetSubtype="16" fill="hold" nodeType="clickEffect">
-                                  <p:stCondLst>
-                                    <p:cond delay="0"/>
-                                  </p:stCondLst>
-                                  <p:childTnLst>
-                                    <p:set>
-                                      <p:cBhvr>
-                                        <p:cTn id="24" dur="1" fill="hold">
-                                          <p:stCondLst>
-                                            <p:cond delay="0"/>
-                                          </p:stCondLst>
-                                        </p:cTn>
-                                        <p:tgtEl>
-                                          <p:spTgt spid="6"/>
-                                        </p:tgtEl>
-                                        <p:attrNameLst>
-                                          <p:attrName>style.visibility</p:attrName>
-                                        </p:attrNameLst>
-                                      </p:cBhvr>
-                                      <p:to>
-                                        <p:strVal val="visible"/>
-                                      </p:to>
-                                    </p:set>
-                                    <p:animEffect transition="in" filter="circle(in)">
-                                      <p:cBhvr>
-                                        <p:cTn id="25" dur="2000"/>
-                                        <p:tgtEl>
-                                          <p:spTgt spid="6"/>
-                                        </p:tgtEl>
-                                      </p:cBhvr>
-                                    </p:animEffect>
                                   </p:childTnLst>
                                 </p:cTn>
                               </p:par>
@@ -8625,6 +8592,9 @@
                     <p:cTn id="3" fill="hold">
                       <p:stCondLst>
                         <p:cond delay="indefinite"/>
+                        <p:cond evt="onBegin" delay="0">
+                          <p:tn val="2"/>
+                        </p:cond>
                       </p:stCondLst>
                       <p:childTnLst>
                         <p:par>
@@ -8634,7 +8604,7 @@
                             </p:stCondLst>
                             <p:childTnLst>
                               <p:par>
-                                <p:cTn id="5" presetID="35" presetClass="entr" presetSubtype="0" fill="hold" nodeType="clickEffect">
+                                <p:cTn id="5" presetID="35" presetClass="entr" presetSubtype="0" fill="hold" nodeType="withEffect">
                                   <p:stCondLst>
                                     <p:cond delay="0"/>
                                   </p:stCondLst>
@@ -9980,6 +9950,9 @@
                     <p:cTn id="3" fill="hold">
                       <p:stCondLst>
                         <p:cond delay="indefinite"/>
+                        <p:cond evt="onBegin" delay="0">
+                          <p:tn val="2"/>
+                        </p:cond>
                       </p:stCondLst>
                       <p:childTnLst>
                         <p:par>
@@ -9989,7 +9962,7 @@
                             </p:stCondLst>
                             <p:childTnLst>
                               <p:par>
-                                <p:cTn id="5" presetID="35" presetClass="entr" presetSubtype="0" fill="hold" nodeType="clickEffect">
+                                <p:cTn id="5" presetID="35" presetClass="entr" presetSubtype="0" fill="hold" nodeType="withEffect">
                                   <p:stCondLst>
                                     <p:cond delay="0"/>
                                   </p:stCondLst>
@@ -10095,30 +10068,21 @@
                             </p:childTnLst>
                           </p:cTn>
                         </p:par>
-                      </p:childTnLst>
-                    </p:cTn>
-                  </p:par>
-                  <p:par>
-                    <p:cTn id="11" fill="hold">
-                      <p:stCondLst>
-                        <p:cond delay="indefinite"/>
-                      </p:stCondLst>
-                      <p:childTnLst>
                         <p:par>
-                          <p:cTn id="12" fill="hold">
+                          <p:cTn id="11" fill="hold">
                             <p:stCondLst>
-                              <p:cond delay="0"/>
+                              <p:cond delay="2000"/>
                             </p:stCondLst>
                             <p:childTnLst>
                               <p:par>
-                                <p:cTn id="13" presetID="2" presetClass="entr" presetSubtype="4" fill="hold" nodeType="clickEffect">
+                                <p:cTn id="12" presetID="2" presetClass="entr" presetSubtype="4" fill="hold" nodeType="afterEffect">
                                   <p:stCondLst>
                                     <p:cond delay="0"/>
                                   </p:stCondLst>
                                   <p:childTnLst>
                                     <p:set>
                                       <p:cBhvr>
-                                        <p:cTn id="14" dur="1" fill="hold">
+                                        <p:cTn id="13" dur="1" fill="hold">
                                           <p:stCondLst>
                                             <p:cond delay="0"/>
                                           </p:stCondLst>
@@ -10136,7 +10100,7 @@
                                     </p:set>
                                     <p:anim calcmode="lin" valueType="num">
                                       <p:cBhvr additive="base">
-                                        <p:cTn id="15" dur="500" fill="hold"/>
+                                        <p:cTn id="14" dur="500" fill="hold"/>
                                         <p:tgtEl>
                                           <p:spTgt spid="104"/>
                                         </p:tgtEl>
@@ -10159,7 +10123,7 @@
                                     </p:anim>
                                     <p:anim calcmode="lin" valueType="num">
                                       <p:cBhvr additive="base">
-                                        <p:cTn id="16" dur="500" fill="hold"/>
+                                        <p:cTn id="15" dur="500" fill="hold"/>
                                         <p:tgtEl>
                                           <p:spTgt spid="104"/>
                                         </p:tgtEl>
@@ -10186,30 +10150,21 @@
                             </p:childTnLst>
                           </p:cTn>
                         </p:par>
-                      </p:childTnLst>
-                    </p:cTn>
-                  </p:par>
-                  <p:par>
-                    <p:cTn id="17" fill="hold">
-                      <p:stCondLst>
-                        <p:cond delay="indefinite"/>
-                      </p:stCondLst>
-                      <p:childTnLst>
                         <p:par>
-                          <p:cTn id="18" fill="hold">
+                          <p:cTn id="16" fill="hold">
                             <p:stCondLst>
-                              <p:cond delay="0"/>
+                              <p:cond delay="2500"/>
                             </p:stCondLst>
                             <p:childTnLst>
                               <p:par>
-                                <p:cTn id="19" presetID="16" presetClass="entr" presetSubtype="21" fill="hold" grpId="0" nodeType="clickEffect">
+                                <p:cTn id="17" presetID="16" presetClass="entr" presetSubtype="21" fill="hold" grpId="0" nodeType="afterEffect">
                                   <p:stCondLst>
                                     <p:cond delay="0"/>
                                   </p:stCondLst>
                                   <p:childTnLst>
                                     <p:set>
                                       <p:cBhvr>
-                                        <p:cTn id="20" dur="1" fill="hold">
+                                        <p:cTn id="18" dur="1" fill="hold">
                                           <p:stCondLst>
                                             <p:cond delay="0"/>
                                           </p:stCondLst>
@@ -10227,7 +10182,7 @@
                                     </p:set>
                                     <p:animEffect transition="in" filter="barn(inVertical)">
                                       <p:cBhvr>
-                                        <p:cTn id="21" dur="500"/>
+                                        <p:cTn id="19" dur="500"/>
                                         <p:tgtEl>
                                           <p:spTgt spid="106"/>
                                         </p:tgtEl>

--- a/presentazione applicazione.pptx
+++ b/presentazione applicazione.pptx
@@ -19,6 +19,7 @@
     <p:sldId id="258" r:id="rId13"/>
     <p:sldId id="259" r:id="rId14"/>
     <p:sldId id="269" r:id="rId15"/>
+    <p:sldId id="270" r:id="rId16"/>
   </p:sldIdLst>
   <p:sldSz cx="12192000" cy="6858000"/>
   <p:notesSz cx="6858000" cy="9144000"/>
@@ -313,7 +314,7 @@
           <a:p>
             <a:fld id="{0F32F8AE-CF9D-4C18-B6CB-F4D0053ECEA9}" type="datetimeFigureOut">
               <a:rPr lang="it-IT" smtClean="0"/>
-              <a:t>21/03/2022</a:t>
+              <a:t>23/03/2022</a:t>
             </a:fld>
             <a:endParaRPr lang="it-IT"/>
           </a:p>
@@ -651,7 +652,7 @@
           <a:p>
             <a:fld id="{0F32F8AE-CF9D-4C18-B6CB-F4D0053ECEA9}" type="datetimeFigureOut">
               <a:rPr lang="it-IT" smtClean="0"/>
-              <a:t>21/03/2022</a:t>
+              <a:t>23/03/2022</a:t>
             </a:fld>
             <a:endParaRPr lang="it-IT"/>
           </a:p>
@@ -1052,7 +1053,7 @@
           <a:p>
             <a:fld id="{0F32F8AE-CF9D-4C18-B6CB-F4D0053ECEA9}" type="datetimeFigureOut">
               <a:rPr lang="it-IT" smtClean="0"/>
-              <a:t>21/03/2022</a:t>
+              <a:t>23/03/2022</a:t>
             </a:fld>
             <a:endParaRPr lang="it-IT"/>
           </a:p>
@@ -1388,7 +1389,7 @@
           <a:p>
             <a:fld id="{0F32F8AE-CF9D-4C18-B6CB-F4D0053ECEA9}" type="datetimeFigureOut">
               <a:rPr lang="it-IT" smtClean="0"/>
-              <a:t>21/03/2022</a:t>
+              <a:t>23/03/2022</a:t>
             </a:fld>
             <a:endParaRPr lang="it-IT"/>
           </a:p>
@@ -1708,7 +1709,7 @@
           <a:p>
             <a:fld id="{0F32F8AE-CF9D-4C18-B6CB-F4D0053ECEA9}" type="datetimeFigureOut">
               <a:rPr lang="it-IT" smtClean="0"/>
-              <a:t>21/03/2022</a:t>
+              <a:t>23/03/2022</a:t>
             </a:fld>
             <a:endParaRPr lang="it-IT"/>
           </a:p>
@@ -2104,7 +2105,7 @@
           <a:p>
             <a:fld id="{0F32F8AE-CF9D-4C18-B6CB-F4D0053ECEA9}" type="datetimeFigureOut">
               <a:rPr lang="it-IT" smtClean="0"/>
-              <a:t>21/03/2022</a:t>
+              <a:t>23/03/2022</a:t>
             </a:fld>
             <a:endParaRPr lang="it-IT"/>
           </a:p>
@@ -2361,7 +2362,7 @@
           <a:p>
             <a:fld id="{0F32F8AE-CF9D-4C18-B6CB-F4D0053ECEA9}" type="datetimeFigureOut">
               <a:rPr lang="it-IT" smtClean="0"/>
-              <a:t>21/03/2022</a:t>
+              <a:t>23/03/2022</a:t>
             </a:fld>
             <a:endParaRPr lang="it-IT"/>
           </a:p>
@@ -2623,7 +2624,7 @@
           <a:p>
             <a:fld id="{0F32F8AE-CF9D-4C18-B6CB-F4D0053ECEA9}" type="datetimeFigureOut">
               <a:rPr lang="it-IT" smtClean="0"/>
-              <a:t>21/03/2022</a:t>
+              <a:t>23/03/2022</a:t>
             </a:fld>
             <a:endParaRPr lang="it-IT"/>
           </a:p>
@@ -2885,7 +2886,7 @@
           <a:p>
             <a:fld id="{0F32F8AE-CF9D-4C18-B6CB-F4D0053ECEA9}" type="datetimeFigureOut">
               <a:rPr lang="it-IT" smtClean="0"/>
-              <a:t>21/03/2022</a:t>
+              <a:t>23/03/2022</a:t>
             </a:fld>
             <a:endParaRPr lang="it-IT"/>
           </a:p>
@@ -3214,7 +3215,7 @@
           <a:p>
             <a:fld id="{0F32F8AE-CF9D-4C18-B6CB-F4D0053ECEA9}" type="datetimeFigureOut">
               <a:rPr lang="it-IT" smtClean="0"/>
-              <a:t>21/03/2022</a:t>
+              <a:t>23/03/2022</a:t>
             </a:fld>
             <a:endParaRPr lang="it-IT"/>
           </a:p>
@@ -3537,7 +3538,7 @@
           <a:p>
             <a:fld id="{0F32F8AE-CF9D-4C18-B6CB-F4D0053ECEA9}" type="datetimeFigureOut">
               <a:rPr lang="it-IT" smtClean="0"/>
-              <a:t>21/03/2022</a:t>
+              <a:t>23/03/2022</a:t>
             </a:fld>
             <a:endParaRPr lang="it-IT"/>
           </a:p>
@@ -3994,7 +3995,7 @@
           <a:p>
             <a:fld id="{0F32F8AE-CF9D-4C18-B6CB-F4D0053ECEA9}" type="datetimeFigureOut">
               <a:rPr lang="it-IT" smtClean="0"/>
-              <a:t>21/03/2022</a:t>
+              <a:t>23/03/2022</a:t>
             </a:fld>
             <a:endParaRPr lang="it-IT"/>
           </a:p>
@@ -4199,7 +4200,7 @@
           <a:p>
             <a:fld id="{0F32F8AE-CF9D-4C18-B6CB-F4D0053ECEA9}" type="datetimeFigureOut">
               <a:rPr lang="it-IT" smtClean="0"/>
-              <a:t>21/03/2022</a:t>
+              <a:t>23/03/2022</a:t>
             </a:fld>
             <a:endParaRPr lang="it-IT"/>
           </a:p>
@@ -4376,7 +4377,7 @@
           <a:p>
             <a:fld id="{0F32F8AE-CF9D-4C18-B6CB-F4D0053ECEA9}" type="datetimeFigureOut">
               <a:rPr lang="it-IT" smtClean="0"/>
-              <a:t>21/03/2022</a:t>
+              <a:t>23/03/2022</a:t>
             </a:fld>
             <a:endParaRPr lang="it-IT"/>
           </a:p>
@@ -4709,7 +4710,7 @@
           <a:p>
             <a:fld id="{0F32F8AE-CF9D-4C18-B6CB-F4D0053ECEA9}" type="datetimeFigureOut">
               <a:rPr lang="it-IT" smtClean="0"/>
-              <a:t>21/03/2022</a:t>
+              <a:t>23/03/2022</a:t>
             </a:fld>
             <a:endParaRPr lang="it-IT"/>
           </a:p>
@@ -5054,7 +5055,7 @@
           <a:p>
             <a:fld id="{0F32F8AE-CF9D-4C18-B6CB-F4D0053ECEA9}" type="datetimeFigureOut">
               <a:rPr lang="it-IT" smtClean="0"/>
-              <a:t>21/03/2022</a:t>
+              <a:t>23/03/2022</a:t>
             </a:fld>
             <a:endParaRPr lang="it-IT"/>
           </a:p>
@@ -7171,7 +7172,7 @@
           <a:p>
             <a:fld id="{0F32F8AE-CF9D-4C18-B6CB-F4D0053ECEA9}" type="datetimeFigureOut">
               <a:rPr lang="it-IT" smtClean="0"/>
-              <a:t>21/03/2022</a:t>
+              <a:t>23/03/2022</a:t>
             </a:fld>
             <a:endParaRPr lang="it-IT"/>
           </a:p>
@@ -8454,15 +8455,7 @@
           <a:p>
             <a:r>
               <a:rPr lang="it-IT" sz="1600" dirty="0"/>
-              <a:t>- </a:t>
-            </a:r>
-            <a:r>
-              <a:rPr lang="it-IT" sz="1600" dirty="0" err="1"/>
-              <a:t>KeyCloak</a:t>
-            </a:r>
-            <a:r>
-              <a:rPr lang="it-IT" sz="1600" dirty="0"/>
-              <a:t>: per la sicurezza</a:t>
+              <a:t>- KeyCloak: per la sicurezza</a:t>
             </a:r>
           </a:p>
           <a:p>
@@ -8474,15 +8467,7 @@
           <a:p>
             <a:r>
               <a:rPr lang="it-IT" sz="1600" dirty="0"/>
-              <a:t>- </a:t>
-            </a:r>
-            <a:r>
-              <a:rPr lang="it-IT" sz="1600" dirty="0" err="1"/>
-              <a:t>Thymelife</a:t>
-            </a:r>
-            <a:r>
-              <a:rPr lang="it-IT" sz="1600" dirty="0"/>
-              <a:t>: per il template engine</a:t>
+              <a:t>- Thymelife: per il template engine</a:t>
             </a:r>
           </a:p>
           <a:p>
@@ -8494,7 +8479,7 @@
           <a:p>
             <a:r>
               <a:rPr lang="it-IT" sz="1600" dirty="0"/>
-              <a:t>- Apache Kafka (da terminare)</a:t>
+              <a:t>- Apache Kafka: piattaforma stream-processing</a:t>
             </a:r>
           </a:p>
         </p:txBody>
@@ -9616,6 +9601,194 @@
     <p:extLst>
       <p:ext uri="{BB962C8B-B14F-4D97-AF65-F5344CB8AC3E}">
         <p14:creationId xmlns:p14="http://schemas.microsoft.com/office/powerpoint/2010/main" val="3725945311"/>
+      </p:ext>
+    </p:extLst>
+  </p:cSld>
+  <p:clrMapOvr>
+    <a:masterClrMapping/>
+  </p:clrMapOvr>
+</p:sld>
+</file>
+
+<file path=ppt/slides/slide15.xml><?xml version="1.0" encoding="utf-8"?>
+<p:sld xmlns:a="http://schemas.openxmlformats.org/drawingml/2006/main" xmlns:r="http://schemas.openxmlformats.org/officeDocument/2006/relationships" xmlns:p="http://schemas.openxmlformats.org/presentationml/2006/main">
+  <p:cSld>
+    <p:spTree>
+      <p:nvGrpSpPr>
+        <p:cNvPr id="1" name=""/>
+        <p:cNvGrpSpPr/>
+        <p:nvPr/>
+      </p:nvGrpSpPr>
+      <p:grpSpPr>
+        <a:xfrm>
+          <a:off x="0" y="0"/>
+          <a:ext cx="0" cy="0"/>
+          <a:chOff x="0" y="0"/>
+          <a:chExt cx="0" cy="0"/>
+        </a:xfrm>
+      </p:grpSpPr>
+      <p:sp>
+        <p:nvSpPr>
+          <p:cNvPr id="6" name="CasellaDiTesto 5">
+            <a:extLst>
+              <a:ext uri="{FF2B5EF4-FFF2-40B4-BE49-F238E27FC236}">
+                <a16:creationId xmlns:a16="http://schemas.microsoft.com/office/drawing/2014/main" id="{636D3C2B-DAED-4F6F-9896-A3720491E763}"/>
+              </a:ext>
+            </a:extLst>
+          </p:cNvPr>
+          <p:cNvSpPr txBox="1"/>
+          <p:nvPr/>
+        </p:nvSpPr>
+        <p:spPr>
+          <a:xfrm>
+            <a:off x="3231472" y="523783"/>
+            <a:ext cx="4722920" cy="369332"/>
+          </a:xfrm>
+          <a:prstGeom prst="rect">
+            <a:avLst/>
+          </a:prstGeom>
+          <a:noFill/>
+        </p:spPr>
+        <p:txBody>
+          <a:bodyPr wrap="square" rtlCol="0">
+            <a:spAutoFit/>
+          </a:bodyPr>
+          <a:lstStyle/>
+          <a:p>
+            <a:pPr algn="ctr"/>
+            <a:r>
+              <a:rPr lang="it-IT" dirty="0"/>
+              <a:t>APACHE KAFKA</a:t>
+            </a:r>
+          </a:p>
+        </p:txBody>
+      </p:sp>
+      <p:sp>
+        <p:nvSpPr>
+          <p:cNvPr id="7" name="CasellaDiTesto 6">
+            <a:extLst>
+              <a:ext uri="{FF2B5EF4-FFF2-40B4-BE49-F238E27FC236}">
+                <a16:creationId xmlns:a16="http://schemas.microsoft.com/office/drawing/2014/main" id="{C2314269-5410-499D-8941-E9E46B27F771}"/>
+              </a:ext>
+            </a:extLst>
+          </p:cNvPr>
+          <p:cNvSpPr txBox="1"/>
+          <p:nvPr/>
+        </p:nvSpPr>
+        <p:spPr>
+          <a:xfrm>
+            <a:off x="3015449" y="3136036"/>
+            <a:ext cx="6747029" cy="1815882"/>
+          </a:xfrm>
+          <a:prstGeom prst="rect">
+            <a:avLst/>
+          </a:prstGeom>
+          <a:noFill/>
+        </p:spPr>
+        <p:txBody>
+          <a:bodyPr wrap="square" rtlCol="0">
+            <a:spAutoFit/>
+          </a:bodyPr>
+          <a:lstStyle/>
+          <a:p>
+            <a:r>
+              <a:rPr lang="it-IT" sz="1600" dirty="0"/>
+              <a:t>Apache Kafka</a:t>
+            </a:r>
+            <a:r>
+              <a:rPr lang="it-IT" sz="1600" b="1" dirty="0"/>
+              <a:t> </a:t>
+            </a:r>
+            <a:r>
+              <a:rPr lang="it-IT" sz="1600" dirty="0"/>
+              <a:t>è</a:t>
+            </a:r>
+            <a:r>
+              <a:rPr lang="it-IT" sz="1600" b="1" dirty="0"/>
+              <a:t> </a:t>
+            </a:r>
+            <a:r>
+              <a:rPr lang="it-IT" sz="1600" dirty="0"/>
+              <a:t>un motore di stream processing distribuito per costruire pipeline di dati in real-time e applicazioni in streaming. Permette di ricevere dati da diversi tipi di sorgenti (detti producer), elaborandoli all’interno della sua architettura e rendendoli disponibili ai riceventi (consumer). All’interno dell’architettura è possibile costruire applicazioni attraverso la libreria Kafka Streams per operazioni di filtraggio e arricchimento dati. </a:t>
+            </a:r>
+          </a:p>
+        </p:txBody>
+      </p:sp>
+      <p:sp>
+        <p:nvSpPr>
+          <p:cNvPr id="8" name="CasellaDiTesto 7">
+            <a:extLst>
+              <a:ext uri="{FF2B5EF4-FFF2-40B4-BE49-F238E27FC236}">
+                <a16:creationId xmlns:a16="http://schemas.microsoft.com/office/drawing/2014/main" id="{C5F76B00-9AA2-4B23-BD9F-ED2AF66839DC}"/>
+              </a:ext>
+            </a:extLst>
+          </p:cNvPr>
+          <p:cNvSpPr txBox="1"/>
+          <p:nvPr/>
+        </p:nvSpPr>
+        <p:spPr>
+          <a:xfrm>
+            <a:off x="11727403" y="6488668"/>
+            <a:ext cx="642151" cy="369332"/>
+          </a:xfrm>
+          <a:prstGeom prst="rect">
+            <a:avLst/>
+          </a:prstGeom>
+          <a:noFill/>
+        </p:spPr>
+        <p:txBody>
+          <a:bodyPr wrap="square" rtlCol="0">
+            <a:spAutoFit/>
+          </a:bodyPr>
+          <a:lstStyle/>
+          <a:p>
+            <a:r>
+              <a:rPr lang="it-IT" dirty="0"/>
+              <a:t>14</a:t>
+            </a:r>
+          </a:p>
+        </p:txBody>
+      </p:sp>
+      <p:pic>
+        <p:nvPicPr>
+          <p:cNvPr id="10" name="Immagine 9">
+            <a:extLst>
+              <a:ext uri="{FF2B5EF4-FFF2-40B4-BE49-F238E27FC236}">
+                <a16:creationId xmlns:a16="http://schemas.microsoft.com/office/drawing/2014/main" id="{E618CA61-30DC-4C81-B5AE-87BB5C602FCA}"/>
+              </a:ext>
+            </a:extLst>
+          </p:cNvPr>
+          <p:cNvPicPr>
+            <a:picLocks noChangeAspect="1"/>
+          </p:cNvPicPr>
+          <p:nvPr/>
+        </p:nvPicPr>
+        <p:blipFill>
+          <a:blip r:embed="rId2">
+            <a:extLst>
+              <a:ext uri="{28A0092B-C50C-407E-A947-70E740481C1C}">
+                <a14:useLocalDpi xmlns:a14="http://schemas.microsoft.com/office/drawing/2010/main" val="0"/>
+              </a:ext>
+            </a:extLst>
+          </a:blip>
+          <a:stretch>
+            <a:fillRect/>
+          </a:stretch>
+        </p:blipFill>
+        <p:spPr>
+          <a:xfrm>
+            <a:off x="2006353" y="917983"/>
+            <a:ext cx="1601263" cy="1601263"/>
+          </a:xfrm>
+          <a:prstGeom prst="rect">
+            <a:avLst/>
+          </a:prstGeom>
+        </p:spPr>
+      </p:pic>
+    </p:spTree>
+    <p:extLst>
+      <p:ext uri="{BB962C8B-B14F-4D97-AF65-F5344CB8AC3E}">
+        <p14:creationId xmlns:p14="http://schemas.microsoft.com/office/powerpoint/2010/main" val="28150980"/>
       </p:ext>
     </p:extLst>
   </p:cSld>

--- a/presentazione applicazione.pptx
+++ b/presentazione applicazione.pptx
@@ -20,6 +20,7 @@
     <p:sldId id="259" r:id="rId14"/>
     <p:sldId id="269" r:id="rId15"/>
     <p:sldId id="270" r:id="rId16"/>
+    <p:sldId id="271" r:id="rId17"/>
   </p:sldIdLst>
   <p:sldSz cx="12192000" cy="6858000"/>
   <p:notesSz cx="6858000" cy="9144000"/>
@@ -314,7 +315,7 @@
           <a:p>
             <a:fld id="{0F32F8AE-CF9D-4C18-B6CB-F4D0053ECEA9}" type="datetimeFigureOut">
               <a:rPr lang="it-IT" smtClean="0"/>
-              <a:t>23/03/2022</a:t>
+              <a:t>04/04/2022</a:t>
             </a:fld>
             <a:endParaRPr lang="it-IT"/>
           </a:p>
@@ -652,7 +653,7 @@
           <a:p>
             <a:fld id="{0F32F8AE-CF9D-4C18-B6CB-F4D0053ECEA9}" type="datetimeFigureOut">
               <a:rPr lang="it-IT" smtClean="0"/>
-              <a:t>23/03/2022</a:t>
+              <a:t>04/04/2022</a:t>
             </a:fld>
             <a:endParaRPr lang="it-IT"/>
           </a:p>
@@ -1053,7 +1054,7 @@
           <a:p>
             <a:fld id="{0F32F8AE-CF9D-4C18-B6CB-F4D0053ECEA9}" type="datetimeFigureOut">
               <a:rPr lang="it-IT" smtClean="0"/>
-              <a:t>23/03/2022</a:t>
+              <a:t>04/04/2022</a:t>
             </a:fld>
             <a:endParaRPr lang="it-IT"/>
           </a:p>
@@ -1389,7 +1390,7 @@
           <a:p>
             <a:fld id="{0F32F8AE-CF9D-4C18-B6CB-F4D0053ECEA9}" type="datetimeFigureOut">
               <a:rPr lang="it-IT" smtClean="0"/>
-              <a:t>23/03/2022</a:t>
+              <a:t>04/04/2022</a:t>
             </a:fld>
             <a:endParaRPr lang="it-IT"/>
           </a:p>
@@ -1709,7 +1710,7 @@
           <a:p>
             <a:fld id="{0F32F8AE-CF9D-4C18-B6CB-F4D0053ECEA9}" type="datetimeFigureOut">
               <a:rPr lang="it-IT" smtClean="0"/>
-              <a:t>23/03/2022</a:t>
+              <a:t>04/04/2022</a:t>
             </a:fld>
             <a:endParaRPr lang="it-IT"/>
           </a:p>
@@ -2105,7 +2106,7 @@
           <a:p>
             <a:fld id="{0F32F8AE-CF9D-4C18-B6CB-F4D0053ECEA9}" type="datetimeFigureOut">
               <a:rPr lang="it-IT" smtClean="0"/>
-              <a:t>23/03/2022</a:t>
+              <a:t>04/04/2022</a:t>
             </a:fld>
             <a:endParaRPr lang="it-IT"/>
           </a:p>
@@ -2362,7 +2363,7 @@
           <a:p>
             <a:fld id="{0F32F8AE-CF9D-4C18-B6CB-F4D0053ECEA9}" type="datetimeFigureOut">
               <a:rPr lang="it-IT" smtClean="0"/>
-              <a:t>23/03/2022</a:t>
+              <a:t>04/04/2022</a:t>
             </a:fld>
             <a:endParaRPr lang="it-IT"/>
           </a:p>
@@ -2624,7 +2625,7 @@
           <a:p>
             <a:fld id="{0F32F8AE-CF9D-4C18-B6CB-F4D0053ECEA9}" type="datetimeFigureOut">
               <a:rPr lang="it-IT" smtClean="0"/>
-              <a:t>23/03/2022</a:t>
+              <a:t>04/04/2022</a:t>
             </a:fld>
             <a:endParaRPr lang="it-IT"/>
           </a:p>
@@ -2886,7 +2887,7 @@
           <a:p>
             <a:fld id="{0F32F8AE-CF9D-4C18-B6CB-F4D0053ECEA9}" type="datetimeFigureOut">
               <a:rPr lang="it-IT" smtClean="0"/>
-              <a:t>23/03/2022</a:t>
+              <a:t>04/04/2022</a:t>
             </a:fld>
             <a:endParaRPr lang="it-IT"/>
           </a:p>
@@ -3215,7 +3216,7 @@
           <a:p>
             <a:fld id="{0F32F8AE-CF9D-4C18-B6CB-F4D0053ECEA9}" type="datetimeFigureOut">
               <a:rPr lang="it-IT" smtClean="0"/>
-              <a:t>23/03/2022</a:t>
+              <a:t>04/04/2022</a:t>
             </a:fld>
             <a:endParaRPr lang="it-IT"/>
           </a:p>
@@ -3538,7 +3539,7 @@
           <a:p>
             <a:fld id="{0F32F8AE-CF9D-4C18-B6CB-F4D0053ECEA9}" type="datetimeFigureOut">
               <a:rPr lang="it-IT" smtClean="0"/>
-              <a:t>23/03/2022</a:t>
+              <a:t>04/04/2022</a:t>
             </a:fld>
             <a:endParaRPr lang="it-IT"/>
           </a:p>
@@ -3995,7 +3996,7 @@
           <a:p>
             <a:fld id="{0F32F8AE-CF9D-4C18-B6CB-F4D0053ECEA9}" type="datetimeFigureOut">
               <a:rPr lang="it-IT" smtClean="0"/>
-              <a:t>23/03/2022</a:t>
+              <a:t>04/04/2022</a:t>
             </a:fld>
             <a:endParaRPr lang="it-IT"/>
           </a:p>
@@ -4200,7 +4201,7 @@
           <a:p>
             <a:fld id="{0F32F8AE-CF9D-4C18-B6CB-F4D0053ECEA9}" type="datetimeFigureOut">
               <a:rPr lang="it-IT" smtClean="0"/>
-              <a:t>23/03/2022</a:t>
+              <a:t>04/04/2022</a:t>
             </a:fld>
             <a:endParaRPr lang="it-IT"/>
           </a:p>
@@ -4377,7 +4378,7 @@
           <a:p>
             <a:fld id="{0F32F8AE-CF9D-4C18-B6CB-F4D0053ECEA9}" type="datetimeFigureOut">
               <a:rPr lang="it-IT" smtClean="0"/>
-              <a:t>23/03/2022</a:t>
+              <a:t>04/04/2022</a:t>
             </a:fld>
             <a:endParaRPr lang="it-IT"/>
           </a:p>
@@ -4710,7 +4711,7 @@
           <a:p>
             <a:fld id="{0F32F8AE-CF9D-4C18-B6CB-F4D0053ECEA9}" type="datetimeFigureOut">
               <a:rPr lang="it-IT" smtClean="0"/>
-              <a:t>23/03/2022</a:t>
+              <a:t>04/04/2022</a:t>
             </a:fld>
             <a:endParaRPr lang="it-IT"/>
           </a:p>
@@ -5055,7 +5056,7 @@
           <a:p>
             <a:fld id="{0F32F8AE-CF9D-4C18-B6CB-F4D0053ECEA9}" type="datetimeFigureOut">
               <a:rPr lang="it-IT" smtClean="0"/>
-              <a:t>23/03/2022</a:t>
+              <a:t>04/04/2022</a:t>
             </a:fld>
             <a:endParaRPr lang="it-IT"/>
           </a:p>
@@ -7172,7 +7173,7 @@
           <a:p>
             <a:fld id="{0F32F8AE-CF9D-4C18-B6CB-F4D0053ECEA9}" type="datetimeFigureOut">
               <a:rPr lang="it-IT" smtClean="0"/>
-              <a:t>23/03/2022</a:t>
+              <a:t>04/04/2022</a:t>
             </a:fld>
             <a:endParaRPr lang="it-IT"/>
           </a:p>
@@ -8479,7 +8480,7 @@
           <a:p>
             <a:r>
               <a:rPr lang="it-IT" sz="1600" dirty="0"/>
-              <a:t>- Apache Kafka: piattaforma stream-processing</a:t>
+              <a:t>- Mosquitto: message broker che implementa MQTT</a:t>
             </a:r>
           </a:p>
         </p:txBody>
@@ -9629,93 +9630,6 @@
       </p:grpSpPr>
       <p:sp>
         <p:nvSpPr>
-          <p:cNvPr id="6" name="CasellaDiTesto 5">
-            <a:extLst>
-              <a:ext uri="{FF2B5EF4-FFF2-40B4-BE49-F238E27FC236}">
-                <a16:creationId xmlns:a16="http://schemas.microsoft.com/office/drawing/2014/main" id="{636D3C2B-DAED-4F6F-9896-A3720491E763}"/>
-              </a:ext>
-            </a:extLst>
-          </p:cNvPr>
-          <p:cNvSpPr txBox="1"/>
-          <p:nvPr/>
-        </p:nvSpPr>
-        <p:spPr>
-          <a:xfrm>
-            <a:off x="3231472" y="523783"/>
-            <a:ext cx="4722920" cy="369332"/>
-          </a:xfrm>
-          <a:prstGeom prst="rect">
-            <a:avLst/>
-          </a:prstGeom>
-          <a:noFill/>
-        </p:spPr>
-        <p:txBody>
-          <a:bodyPr wrap="square" rtlCol="0">
-            <a:spAutoFit/>
-          </a:bodyPr>
-          <a:lstStyle/>
-          <a:p>
-            <a:pPr algn="ctr"/>
-            <a:r>
-              <a:rPr lang="it-IT" dirty="0"/>
-              <a:t>APACHE KAFKA</a:t>
-            </a:r>
-          </a:p>
-        </p:txBody>
-      </p:sp>
-      <p:sp>
-        <p:nvSpPr>
-          <p:cNvPr id="7" name="CasellaDiTesto 6">
-            <a:extLst>
-              <a:ext uri="{FF2B5EF4-FFF2-40B4-BE49-F238E27FC236}">
-                <a16:creationId xmlns:a16="http://schemas.microsoft.com/office/drawing/2014/main" id="{C2314269-5410-499D-8941-E9E46B27F771}"/>
-              </a:ext>
-            </a:extLst>
-          </p:cNvPr>
-          <p:cNvSpPr txBox="1"/>
-          <p:nvPr/>
-        </p:nvSpPr>
-        <p:spPr>
-          <a:xfrm>
-            <a:off x="3015449" y="3136036"/>
-            <a:ext cx="6747029" cy="1815882"/>
-          </a:xfrm>
-          <a:prstGeom prst="rect">
-            <a:avLst/>
-          </a:prstGeom>
-          <a:noFill/>
-        </p:spPr>
-        <p:txBody>
-          <a:bodyPr wrap="square" rtlCol="0">
-            <a:spAutoFit/>
-          </a:bodyPr>
-          <a:lstStyle/>
-          <a:p>
-            <a:r>
-              <a:rPr lang="it-IT" sz="1600" dirty="0"/>
-              <a:t>Apache Kafka</a:t>
-            </a:r>
-            <a:r>
-              <a:rPr lang="it-IT" sz="1600" b="1" dirty="0"/>
-              <a:t> </a:t>
-            </a:r>
-            <a:r>
-              <a:rPr lang="it-IT" sz="1600" dirty="0"/>
-              <a:t>è</a:t>
-            </a:r>
-            <a:r>
-              <a:rPr lang="it-IT" sz="1600" b="1" dirty="0"/>
-              <a:t> </a:t>
-            </a:r>
-            <a:r>
-              <a:rPr lang="it-IT" sz="1600" dirty="0"/>
-              <a:t>un motore di stream processing distribuito per costruire pipeline di dati in real-time e applicazioni in streaming. Permette di ricevere dati da diversi tipi di sorgenti (detti producer), elaborandoli all’interno della sua architettura e rendendoli disponibili ai riceventi (consumer). All’interno dell’architettura è possibile costruire applicazioni attraverso la libreria Kafka Streams per operazioni di filtraggio e arricchimento dati. </a:t>
-            </a:r>
-          </a:p>
-        </p:txBody>
-      </p:sp>
-      <p:sp>
-        <p:nvSpPr>
           <p:cNvPr id="8" name="CasellaDiTesto 7">
             <a:extLst>
               <a:ext uri="{FF2B5EF4-FFF2-40B4-BE49-F238E27FC236}">
@@ -9751,10 +9665,10 @@
       </p:sp>
       <p:pic>
         <p:nvPicPr>
-          <p:cNvPr id="10" name="Immagine 9">
+          <p:cNvPr id="3" name="Immagine 2">
             <a:extLst>
               <a:ext uri="{FF2B5EF4-FFF2-40B4-BE49-F238E27FC236}">
-                <a16:creationId xmlns:a16="http://schemas.microsoft.com/office/drawing/2014/main" id="{E618CA61-30DC-4C81-B5AE-87BB5C602FCA}"/>
+                <a16:creationId xmlns:a16="http://schemas.microsoft.com/office/drawing/2014/main" id="{77C4DAC5-17E3-4FFA-BE81-A37CF3201A5C}"/>
               </a:ext>
             </a:extLst>
           </p:cNvPr>
@@ -9777,8 +9691,257 @@
         </p:blipFill>
         <p:spPr>
           <a:xfrm>
-            <a:off x="2006353" y="917983"/>
-            <a:ext cx="1601263" cy="1601263"/>
+            <a:off x="2267960" y="423643"/>
+            <a:ext cx="2944925" cy="962037"/>
+          </a:xfrm>
+          <a:prstGeom prst="rect">
+            <a:avLst/>
+          </a:prstGeom>
+        </p:spPr>
+      </p:pic>
+      <p:sp>
+        <p:nvSpPr>
+          <p:cNvPr id="4" name="CasellaDiTesto 3">
+            <a:extLst>
+              <a:ext uri="{FF2B5EF4-FFF2-40B4-BE49-F238E27FC236}">
+                <a16:creationId xmlns:a16="http://schemas.microsoft.com/office/drawing/2014/main" id="{141C4884-B371-4955-A08F-1DE36ABA8EAE}"/>
+              </a:ext>
+            </a:extLst>
+          </p:cNvPr>
+          <p:cNvSpPr txBox="1"/>
+          <p:nvPr/>
+        </p:nvSpPr>
+        <p:spPr>
+          <a:xfrm>
+            <a:off x="2931111" y="2740058"/>
+            <a:ext cx="5992427" cy="1200329"/>
+          </a:xfrm>
+          <a:prstGeom prst="rect">
+            <a:avLst/>
+          </a:prstGeom>
+          <a:noFill/>
+        </p:spPr>
+        <p:txBody>
+          <a:bodyPr wrap="square" rtlCol="0">
+            <a:spAutoFit/>
+          </a:bodyPr>
+          <a:lstStyle/>
+          <a:p>
+            <a:r>
+              <a:rPr lang="it-IT" dirty="0"/>
+              <a:t>Mosquitto è un message broker open source che implementa il protocollo MQTT. E’ un servizio autonomo ed indipendente che centralizza i collegamenti tra i dispositivi IoT.</a:t>
+            </a:r>
+          </a:p>
+        </p:txBody>
+      </p:sp>
+    </p:spTree>
+    <p:extLst>
+      <p:ext uri="{BB962C8B-B14F-4D97-AF65-F5344CB8AC3E}">
+        <p14:creationId xmlns:p14="http://schemas.microsoft.com/office/powerpoint/2010/main" val="28150980"/>
+      </p:ext>
+    </p:extLst>
+  </p:cSld>
+  <p:clrMapOvr>
+    <a:masterClrMapping/>
+  </p:clrMapOvr>
+</p:sld>
+</file>
+
+<file path=ppt/slides/slide16.xml><?xml version="1.0" encoding="utf-8"?>
+<p:sld xmlns:a="http://schemas.openxmlformats.org/drawingml/2006/main" xmlns:r="http://schemas.openxmlformats.org/officeDocument/2006/relationships" xmlns:p="http://schemas.openxmlformats.org/presentationml/2006/main">
+  <p:cSld>
+    <p:spTree>
+      <p:nvGrpSpPr>
+        <p:cNvPr id="1" name=""/>
+        <p:cNvGrpSpPr/>
+        <p:nvPr/>
+      </p:nvGrpSpPr>
+      <p:grpSpPr>
+        <a:xfrm>
+          <a:off x="0" y="0"/>
+          <a:ext cx="0" cy="0"/>
+          <a:chOff x="0" y="0"/>
+          <a:chExt cx="0" cy="0"/>
+        </a:xfrm>
+      </p:grpSpPr>
+      <p:sp>
+        <p:nvSpPr>
+          <p:cNvPr id="2" name="Titolo 1">
+            <a:extLst>
+              <a:ext uri="{FF2B5EF4-FFF2-40B4-BE49-F238E27FC236}">
+                <a16:creationId xmlns:a16="http://schemas.microsoft.com/office/drawing/2014/main" id="{9C8BEA3B-2422-4B07-9C58-7A890996F531}"/>
+              </a:ext>
+            </a:extLst>
+          </p:cNvPr>
+          <p:cNvSpPr>
+            <a:spLocks noGrp="1"/>
+          </p:cNvSpPr>
+          <p:nvPr>
+            <p:ph type="ctrTitle"/>
+          </p:nvPr>
+        </p:nvSpPr>
+        <p:spPr>
+          <a:xfrm>
+            <a:off x="1550526" y="82119"/>
+            <a:ext cx="8915399" cy="947692"/>
+          </a:xfrm>
+        </p:spPr>
+        <p:txBody>
+          <a:bodyPr>
+            <a:noAutofit/>
+          </a:bodyPr>
+          <a:lstStyle/>
+          <a:p>
+            <a:pPr algn="ctr"/>
+            <a:r>
+              <a:rPr lang="it-IT" sz="2800" dirty="0">
+                <a:solidFill>
+                  <a:schemeClr val="tx1"/>
+                </a:solidFill>
+              </a:rPr>
+              <a:t>Grazie per l’attenzione</a:t>
+            </a:r>
+          </a:p>
+        </p:txBody>
+      </p:sp>
+      <p:sp>
+        <p:nvSpPr>
+          <p:cNvPr id="3" name="Sottotitolo 2">
+            <a:extLst>
+              <a:ext uri="{FF2B5EF4-FFF2-40B4-BE49-F238E27FC236}">
+                <a16:creationId xmlns:a16="http://schemas.microsoft.com/office/drawing/2014/main" id="{7F4EEEB3-7568-4A71-ADD7-19C857AA12CB}"/>
+              </a:ext>
+            </a:extLst>
+          </p:cNvPr>
+          <p:cNvSpPr>
+            <a:spLocks noGrp="1"/>
+          </p:cNvSpPr>
+          <p:nvPr>
+            <p:ph type="subTitle" idx="1"/>
+          </p:nvPr>
+        </p:nvSpPr>
+        <p:spPr>
+          <a:xfrm>
+            <a:off x="3151188" y="5553790"/>
+            <a:ext cx="8915399" cy="1126283"/>
+          </a:xfrm>
+        </p:spPr>
+        <p:txBody>
+          <a:bodyPr>
+            <a:normAutofit/>
+          </a:bodyPr>
+          <a:lstStyle/>
+          <a:p>
+            <a:r>
+              <a:rPr lang="it-IT" b="1" dirty="0">
+                <a:latin typeface="Baguet Script" panose="020B0604020202020204" pitchFamily="2" charset="0"/>
+              </a:rPr>
+              <a:t>Morando Matteo 20029404 - Fornasiero Andrea 20031994</a:t>
+            </a:r>
+          </a:p>
+        </p:txBody>
+      </p:sp>
+      <p:pic>
+        <p:nvPicPr>
+          <p:cNvPr id="5" name="Immagine 4" descr="Immagine che contiene acquario, serbatoio, scatola&#10;&#10;Descrizione generata automaticamente">
+            <a:extLst>
+              <a:ext uri="{FF2B5EF4-FFF2-40B4-BE49-F238E27FC236}">
+                <a16:creationId xmlns:a16="http://schemas.microsoft.com/office/drawing/2014/main" id="{2D73D13F-3599-43E3-823C-A5F6EDEA32F7}"/>
+              </a:ext>
+            </a:extLst>
+          </p:cNvPr>
+          <p:cNvPicPr>
+            <a:picLocks noChangeAspect="1"/>
+          </p:cNvPicPr>
+          <p:nvPr/>
+        </p:nvPicPr>
+        <p:blipFill>
+          <a:blip r:embed="rId2">
+            <a:extLst>
+              <a:ext uri="{28A0092B-C50C-407E-A947-70E740481C1C}">
+                <a14:useLocalDpi xmlns:a14="http://schemas.microsoft.com/office/drawing/2010/main" val="0"/>
+              </a:ext>
+            </a:extLst>
+          </a:blip>
+          <a:stretch>
+            <a:fillRect/>
+          </a:stretch>
+        </p:blipFill>
+        <p:spPr>
+          <a:xfrm>
+            <a:off x="6787580" y="2159290"/>
+            <a:ext cx="4117974" cy="2456942"/>
+          </a:xfrm>
+          <a:prstGeom prst="rect">
+            <a:avLst/>
+          </a:prstGeom>
+        </p:spPr>
+      </p:pic>
+      <p:sp>
+        <p:nvSpPr>
+          <p:cNvPr id="8" name="CasellaDiTesto 7">
+            <a:extLst>
+              <a:ext uri="{FF2B5EF4-FFF2-40B4-BE49-F238E27FC236}">
+                <a16:creationId xmlns:a16="http://schemas.microsoft.com/office/drawing/2014/main" id="{3C515278-21C3-4303-9818-DEF352F01F75}"/>
+              </a:ext>
+            </a:extLst>
+          </p:cNvPr>
+          <p:cNvSpPr txBox="1"/>
+          <p:nvPr/>
+        </p:nvSpPr>
+        <p:spPr>
+          <a:xfrm>
+            <a:off x="11752262" y="6488668"/>
+            <a:ext cx="628650" cy="369332"/>
+          </a:xfrm>
+          <a:prstGeom prst="rect">
+            <a:avLst/>
+          </a:prstGeom>
+          <a:noFill/>
+        </p:spPr>
+        <p:txBody>
+          <a:bodyPr wrap="square" rtlCol="0">
+            <a:spAutoFit/>
+          </a:bodyPr>
+          <a:lstStyle/>
+          <a:p>
+            <a:r>
+              <a:rPr lang="it-IT" dirty="0"/>
+              <a:t>15</a:t>
+            </a:r>
+          </a:p>
+        </p:txBody>
+      </p:sp>
+      <p:pic>
+        <p:nvPicPr>
+          <p:cNvPr id="10" name="Immagine 9" descr="Immagine che contiene erba, albero, esterni&#10;&#10;Descrizione generata automaticamente">
+            <a:extLst>
+              <a:ext uri="{FF2B5EF4-FFF2-40B4-BE49-F238E27FC236}">
+                <a16:creationId xmlns:a16="http://schemas.microsoft.com/office/drawing/2014/main" id="{ED1CFB15-3947-4BD3-9E7E-9B6969810953}"/>
+              </a:ext>
+            </a:extLst>
+          </p:cNvPr>
+          <p:cNvPicPr>
+            <a:picLocks noChangeAspect="1"/>
+          </p:cNvPicPr>
+          <p:nvPr/>
+        </p:nvPicPr>
+        <p:blipFill>
+          <a:blip r:embed="rId3">
+            <a:extLst>
+              <a:ext uri="{28A0092B-C50C-407E-A947-70E740481C1C}">
+                <a14:useLocalDpi xmlns:a14="http://schemas.microsoft.com/office/drawing/2010/main" val="0"/>
+              </a:ext>
+            </a:extLst>
+          </a:blip>
+          <a:stretch>
+            <a:fillRect/>
+          </a:stretch>
+        </p:blipFill>
+        <p:spPr>
+          <a:xfrm>
+            <a:off x="2125509" y="2530511"/>
+            <a:ext cx="2657475" cy="1714500"/>
           </a:xfrm>
           <a:prstGeom prst="rect">
             <a:avLst/>
@@ -9788,7 +9951,7 @@
     </p:spTree>
     <p:extLst>
       <p:ext uri="{BB962C8B-B14F-4D97-AF65-F5344CB8AC3E}">
-        <p14:creationId xmlns:p14="http://schemas.microsoft.com/office/powerpoint/2010/main" val="28150980"/>
+        <p14:creationId xmlns:p14="http://schemas.microsoft.com/office/powerpoint/2010/main" val="1739060037"/>
       </p:ext>
     </p:extLst>
   </p:cSld>
@@ -9853,15 +10016,7 @@
           <a:p>
             <a:r>
               <a:rPr lang="it-IT" sz="1600" dirty="0"/>
-              <a:t>La nostra applicazione si intitola My </a:t>
-            </a:r>
-            <a:r>
-              <a:rPr lang="it-IT" sz="1600" dirty="0" err="1"/>
-              <a:t>Acquarium</a:t>
-            </a:r>
-            <a:r>
-              <a:rPr lang="it-IT" sz="1600" dirty="0"/>
-              <a:t>: serve per gestire e controllare tramite app tutti i dispositivi che sono necessari alla realizzazione di un acquario sia di tipo tropicale (dolce) che di tipo marino.</a:t>
+              <a:t>La nostra applicazione si intitola My Acquarium: serve per gestire e controllare tramite app tutti i dispositivi che sono necessari alla realizzazione di un acquario sia di tipo tropicale (dolce) che di tipo marino.</a:t>
             </a:r>
           </a:p>
           <a:p>
